--- a/Проект по УСП.pptx
+++ b/Проект по УСП.pptx
@@ -8,27 +8,28 @@
     <p:sldId id="256" r:id="rId2"/>
     <p:sldId id="258" r:id="rId3"/>
     <p:sldId id="259" r:id="rId4"/>
-    <p:sldId id="260" r:id="rId5"/>
-    <p:sldId id="261" r:id="rId6"/>
-    <p:sldId id="262" r:id="rId7"/>
-    <p:sldId id="264" r:id="rId8"/>
-    <p:sldId id="282" r:id="rId9"/>
-    <p:sldId id="265" r:id="rId10"/>
-    <p:sldId id="266" r:id="rId11"/>
-    <p:sldId id="267" r:id="rId12"/>
-    <p:sldId id="268" r:id="rId13"/>
-    <p:sldId id="269" r:id="rId14"/>
-    <p:sldId id="270" r:id="rId15"/>
-    <p:sldId id="271" r:id="rId16"/>
+    <p:sldId id="280" r:id="rId5"/>
+    <p:sldId id="264" r:id="rId6"/>
+    <p:sldId id="282" r:id="rId7"/>
+    <p:sldId id="265" r:id="rId8"/>
+    <p:sldId id="266" r:id="rId9"/>
+    <p:sldId id="267" r:id="rId10"/>
+    <p:sldId id="273" r:id="rId11"/>
+    <p:sldId id="268" r:id="rId12"/>
+    <p:sldId id="269" r:id="rId13"/>
+    <p:sldId id="283" r:id="rId14"/>
+    <p:sldId id="271" r:id="rId15"/>
+    <p:sldId id="278" r:id="rId16"/>
     <p:sldId id="272" r:id="rId17"/>
-    <p:sldId id="273" r:id="rId18"/>
+    <p:sldId id="276" r:id="rId18"/>
     <p:sldId id="274" r:id="rId19"/>
     <p:sldId id="275" r:id="rId20"/>
-    <p:sldId id="276" r:id="rId21"/>
-    <p:sldId id="278" r:id="rId22"/>
-    <p:sldId id="279" r:id="rId23"/>
-    <p:sldId id="280" r:id="rId24"/>
-    <p:sldId id="281" r:id="rId25"/>
+    <p:sldId id="284" r:id="rId21"/>
+    <p:sldId id="260" r:id="rId22"/>
+    <p:sldId id="261" r:id="rId23"/>
+    <p:sldId id="262" r:id="rId24"/>
+    <p:sldId id="279" r:id="rId25"/>
+    <p:sldId id="281" r:id="rId26"/>
   </p:sldIdLst>
   <p:sldSz cx="9144000" cy="6858000" type="screen4x3"/>
   <p:notesSz cx="6858000" cy="9144000"/>
@@ -135,1271 +136,54 @@
             <p14:sldId id="256"/>
             <p14:sldId id="258"/>
             <p14:sldId id="259"/>
-            <p14:sldId id="260"/>
-            <p14:sldId id="261"/>
-            <p14:sldId id="262"/>
+            <p14:sldId id="280"/>
             <p14:sldId id="264"/>
             <p14:sldId id="282"/>
             <p14:sldId id="265"/>
             <p14:sldId id="266"/>
             <p14:sldId id="267"/>
+            <p14:sldId id="273"/>
             <p14:sldId id="268"/>
             <p14:sldId id="269"/>
-            <p14:sldId id="270"/>
+            <p14:sldId id="283"/>
             <p14:sldId id="271"/>
+            <p14:sldId id="278"/>
             <p14:sldId id="272"/>
-            <p14:sldId id="273"/>
+            <p14:sldId id="276"/>
             <p14:sldId id="274"/>
             <p14:sldId id="275"/>
-            <p14:sldId id="276"/>
-            <p14:sldId id="278"/>
+            <p14:sldId id="284"/>
+            <p14:sldId id="260"/>
+            <p14:sldId id="261"/>
+            <p14:sldId id="262"/>
             <p14:sldId id="279"/>
-            <p14:sldId id="280"/>
             <p14:sldId id="281"/>
           </p14:sldIdLst>
         </p14:section>
       </p14:sectionLst>
+    </p:ext>
+    <p:ext uri="{EFAFB233-063F-42B5-8137-9DF3F51BA10A}">
+      <p15:sldGuideLst xmlns:p15="http://schemas.microsoft.com/office/powerpoint/2012/main">
+        <p15:guide id="1" orient="horz" pos="2160">
+          <p15:clr>
+            <a:srgbClr val="A4A3A4"/>
+          </p15:clr>
+        </p15:guide>
+        <p15:guide id="2" pos="2880">
+          <p15:clr>
+            <a:srgbClr val="A4A3A4"/>
+          </p15:clr>
+        </p15:guide>
+      </p15:sldGuideLst>
     </p:ext>
   </p:extLst>
 </p:presentation>
 </file>
 
 <file path=ppt/charts/chart1.xml><?xml version="1.0" encoding="utf-8"?>
-<c:chartSpace xmlns:c="http://schemas.openxmlformats.org/drawingml/2006/chart" xmlns:a="http://schemas.openxmlformats.org/drawingml/2006/main" xmlns:r="http://schemas.openxmlformats.org/officeDocument/2006/relationships">
+<c:chartSpace xmlns:c="http://schemas.openxmlformats.org/drawingml/2006/chart" xmlns:a="http://schemas.openxmlformats.org/drawingml/2006/main" xmlns:r="http://schemas.openxmlformats.org/officeDocument/2006/relationships" xmlns:c16r2="http://schemas.microsoft.com/office/drawing/2015/06/chart">
   <c:date1904 val="0"/>
-  <c:lang val="bg-BG"/>
-  <c:roundedCorners val="0"/>
-  <mc:AlternateContent xmlns:mc="http://schemas.openxmlformats.org/markup-compatibility/2006">
-    <mc:Choice xmlns:c14="http://schemas.microsoft.com/office/drawing/2007/8/2/chart" Requires="c14">
-      <c14:style val="102"/>
-    </mc:Choice>
-    <mc:Fallback>
-      <c:style val="2"/>
-    </mc:Fallback>
-  </mc:AlternateContent>
-  <c:chart>
-    <c:title>
-      <c:layout/>
-      <c:overlay val="0"/>
-      <c:spPr>
-        <a:noFill/>
-        <a:ln>
-          <a:noFill/>
-        </a:ln>
-        <a:effectLst/>
-      </c:spPr>
-      <c:txPr>
-        <a:bodyPr rot="0" spcFirstLastPara="1" vertOverflow="ellipsis" vert="horz" wrap="square" anchor="ctr" anchorCtr="1"/>
-        <a:lstStyle/>
-        <a:p>
-          <a:pPr>
-            <a:defRPr sz="1862" b="0" i="0" u="none" strike="noStrike" kern="1200" spc="0" baseline="0">
-              <a:solidFill>
-                <a:schemeClr val="tx1">
-                  <a:lumMod val="65000"/>
-                  <a:lumOff val="35000"/>
-                </a:schemeClr>
-              </a:solidFill>
-              <a:latin typeface="+mn-lt"/>
-              <a:ea typeface="+mn-ea"/>
-              <a:cs typeface="+mn-cs"/>
-            </a:defRPr>
-          </a:pPr>
-          <a:endParaRPr lang="bg-BG"/>
-        </a:p>
-      </c:txPr>
-    </c:title>
-    <c:autoTitleDeleted val="0"/>
-    <c:view3D>
-      <c:rotX val="15"/>
-      <c:rotY val="20"/>
-      <c:depthPercent val="100"/>
-      <c:rAngAx val="1"/>
-    </c:view3D>
-    <c:floor>
-      <c:thickness val="0"/>
-      <c:spPr>
-        <a:noFill/>
-        <a:ln>
-          <a:noFill/>
-        </a:ln>
-        <a:effectLst/>
-        <a:sp3d/>
-      </c:spPr>
-    </c:floor>
-    <c:sideWall>
-      <c:thickness val="0"/>
-      <c:spPr>
-        <a:noFill/>
-        <a:ln>
-          <a:noFill/>
-        </a:ln>
-        <a:effectLst/>
-        <a:sp3d/>
-      </c:spPr>
-    </c:sideWall>
-    <c:backWall>
-      <c:thickness val="0"/>
-      <c:spPr>
-        <a:noFill/>
-        <a:ln>
-          <a:noFill/>
-        </a:ln>
-        <a:effectLst/>
-        <a:sp3d/>
-      </c:spPr>
-    </c:backWall>
-    <c:plotArea>
-      <c:layout/>
-      <c:bar3DChart>
-        <c:barDir val="col"/>
-        <c:grouping val="stacked"/>
-        <c:varyColors val="0"/>
-        <c:ser>
-          <c:idx val="0"/>
-          <c:order val="0"/>
-          <c:tx>
-            <c:strRef>
-              <c:f>Sheet1!$B$1</c:f>
-              <c:strCache>
-                <c:ptCount val="1"/>
-                <c:pt idx="0">
-                  <c:v>Actual Cost</c:v>
-                </c:pt>
-              </c:strCache>
-            </c:strRef>
-          </c:tx>
-          <c:spPr>
-            <a:solidFill>
-              <a:schemeClr val="accent1"/>
-            </a:solidFill>
-            <a:ln>
-              <a:noFill/>
-            </a:ln>
-            <a:effectLst/>
-            <a:sp3d/>
-          </c:spPr>
-          <c:invertIfNegative val="0"/>
-          <c:cat>
-            <c:strRef>
-              <c:f>Sheet1!$A$2:$A$10</c:f>
-              <c:strCache>
-                <c:ptCount val="9"/>
-                <c:pt idx="0">
-                  <c:v>Получаване на разрешение за започване на проекта</c:v>
-                </c:pt>
-                <c:pt idx="1">
-                  <c:v>Събиране и анализ на клиентските изисквания </c:v>
-                </c:pt>
-                <c:pt idx="2">
-                  <c:v>Проектиране </c:v>
-                </c:pt>
-                <c:pt idx="3">
-                  <c:v>Създаване на техническото задание на проекта </c:v>
-                </c:pt>
-                <c:pt idx="4">
-                  <c:v>Разработване </c:v>
-                </c:pt>
-                <c:pt idx="5">
-                  <c:v>Тестване </c:v>
-                </c:pt>
-                <c:pt idx="6">
-                  <c:v>Създаване на потребителска документация </c:v>
-                </c:pt>
-                <c:pt idx="7">
-                  <c:v>Представяне на продукта на клиента </c:v>
-                </c:pt>
-                <c:pt idx="8">
-                  <c:v>Пускане в производство на програмния продукт</c:v>
-                </c:pt>
-              </c:strCache>
-            </c:strRef>
-          </c:cat>
-          <c:val>
-            <c:numRef>
-              <c:f>Sheet1!$B$2:$B$10</c:f>
-              <c:numCache>
-                <c:formatCode>General</c:formatCode>
-                <c:ptCount val="9"/>
-                <c:pt idx="0">
-                  <c:v>0</c:v>
-                </c:pt>
-                <c:pt idx="1">
-                  <c:v>400</c:v>
-                </c:pt>
-                <c:pt idx="2">
-                  <c:v>1289</c:v>
-                </c:pt>
-                <c:pt idx="3">
-                  <c:v>458</c:v>
-                </c:pt>
-                <c:pt idx="4">
-                  <c:v>645</c:v>
-                </c:pt>
-                <c:pt idx="5">
-                  <c:v>0</c:v>
-                </c:pt>
-                <c:pt idx="6">
-                  <c:v>0</c:v>
-                </c:pt>
-                <c:pt idx="7">
-                  <c:v>0</c:v>
-                </c:pt>
-                <c:pt idx="8">
-                  <c:v>0</c:v>
-                </c:pt>
-              </c:numCache>
-            </c:numRef>
-          </c:val>
-          <c:extLst xmlns:c16r2="http://schemas.microsoft.com/office/drawing/2015/06/chart">
-            <c:ext xmlns:c16="http://schemas.microsoft.com/office/drawing/2014/chart" uri="{C3380CC4-5D6E-409C-BE32-E72D297353CC}">
-              <c16:uniqueId val="{00000000-AD97-4AE6-BA40-D4BA72AAF2DE}"/>
-            </c:ext>
-          </c:extLst>
-        </c:ser>
-        <c:ser>
-          <c:idx val="1"/>
-          <c:order val="1"/>
-          <c:tx>
-            <c:strRef>
-              <c:f>Sheet1!$C$1</c:f>
-              <c:strCache>
-                <c:ptCount val="1"/>
-                <c:pt idx="0">
-                  <c:v>Remaining Cost</c:v>
-                </c:pt>
-              </c:strCache>
-            </c:strRef>
-          </c:tx>
-          <c:spPr>
-            <a:solidFill>
-              <a:schemeClr val="accent2"/>
-            </a:solidFill>
-            <a:ln>
-              <a:noFill/>
-            </a:ln>
-            <a:effectLst/>
-            <a:sp3d/>
-          </c:spPr>
-          <c:invertIfNegative val="0"/>
-          <c:cat>
-            <c:strRef>
-              <c:f>Sheet1!$A$2:$A$10</c:f>
-              <c:strCache>
-                <c:ptCount val="9"/>
-                <c:pt idx="0">
-                  <c:v>Получаване на разрешение за започване на проекта</c:v>
-                </c:pt>
-                <c:pt idx="1">
-                  <c:v>Събиране и анализ на клиентските изисквания </c:v>
-                </c:pt>
-                <c:pt idx="2">
-                  <c:v>Проектиране </c:v>
-                </c:pt>
-                <c:pt idx="3">
-                  <c:v>Създаване на техническото задание на проекта </c:v>
-                </c:pt>
-                <c:pt idx="4">
-                  <c:v>Разработване </c:v>
-                </c:pt>
-                <c:pt idx="5">
-                  <c:v>Тестване </c:v>
-                </c:pt>
-                <c:pt idx="6">
-                  <c:v>Създаване на потребителска документация </c:v>
-                </c:pt>
-                <c:pt idx="7">
-                  <c:v>Представяне на продукта на клиента </c:v>
-                </c:pt>
-                <c:pt idx="8">
-                  <c:v>Пускане в производство на програмния продукт</c:v>
-                </c:pt>
-              </c:strCache>
-            </c:strRef>
-          </c:cat>
-          <c:val>
-            <c:numRef>
-              <c:f>Sheet1!$C$2:$C$10</c:f>
-              <c:numCache>
-                <c:formatCode>General</c:formatCode>
-                <c:ptCount val="9"/>
-                <c:pt idx="0">
-                  <c:v>0</c:v>
-                </c:pt>
-                <c:pt idx="1">
-                  <c:v>0</c:v>
-                </c:pt>
-                <c:pt idx="2">
-                  <c:v>0</c:v>
-                </c:pt>
-                <c:pt idx="3">
-                  <c:v>0</c:v>
-                </c:pt>
-                <c:pt idx="4">
-                  <c:v>367</c:v>
-                </c:pt>
-                <c:pt idx="5">
-                  <c:v>546</c:v>
-                </c:pt>
-                <c:pt idx="6">
-                  <c:v>300</c:v>
-                </c:pt>
-                <c:pt idx="7">
-                  <c:v>200</c:v>
-                </c:pt>
-              </c:numCache>
-            </c:numRef>
-          </c:val>
-          <c:extLst xmlns:c16r2="http://schemas.microsoft.com/office/drawing/2015/06/chart">
-            <c:ext xmlns:c16="http://schemas.microsoft.com/office/drawing/2014/chart" uri="{C3380CC4-5D6E-409C-BE32-E72D297353CC}">
-              <c16:uniqueId val="{00000001-AD97-4AE6-BA40-D4BA72AAF2DE}"/>
-            </c:ext>
-          </c:extLst>
-        </c:ser>
-        <c:dLbls>
-          <c:showLegendKey val="0"/>
-          <c:showVal val="0"/>
-          <c:showCatName val="0"/>
-          <c:showSerName val="0"/>
-          <c:showPercent val="0"/>
-          <c:showBubbleSize val="0"/>
-        </c:dLbls>
-        <c:gapWidth val="150"/>
-        <c:shape val="box"/>
-        <c:axId val="17622912"/>
-        <c:axId val="42756736"/>
-        <c:axId val="0"/>
-      </c:bar3DChart>
-      <c:catAx>
-        <c:axId val="17622912"/>
-        <c:scaling>
-          <c:orientation val="minMax"/>
-        </c:scaling>
-        <c:delete val="0"/>
-        <c:axPos val="b"/>
-        <c:numFmt formatCode="General" sourceLinked="1"/>
-        <c:majorTickMark val="none"/>
-        <c:minorTickMark val="none"/>
-        <c:tickLblPos val="nextTo"/>
-        <c:spPr>
-          <a:noFill/>
-          <a:ln>
-            <a:noFill/>
-          </a:ln>
-          <a:effectLst/>
-        </c:spPr>
-        <c:txPr>
-          <a:bodyPr rot="-60000000" spcFirstLastPara="1" vertOverflow="ellipsis" vert="horz" wrap="square" anchor="ctr" anchorCtr="1"/>
-          <a:lstStyle/>
-          <a:p>
-            <a:pPr>
-              <a:defRPr sz="1197" b="0" i="0" u="none" strike="noStrike" kern="1200" baseline="0">
-                <a:solidFill>
-                  <a:schemeClr val="tx1">
-                    <a:lumMod val="65000"/>
-                    <a:lumOff val="35000"/>
-                  </a:schemeClr>
-                </a:solidFill>
-                <a:latin typeface="+mn-lt"/>
-                <a:ea typeface="+mn-ea"/>
-                <a:cs typeface="+mn-cs"/>
-              </a:defRPr>
-            </a:pPr>
-            <a:endParaRPr lang="bg-BG"/>
-          </a:p>
-        </c:txPr>
-        <c:crossAx val="42756736"/>
-        <c:crosses val="autoZero"/>
-        <c:auto val="1"/>
-        <c:lblAlgn val="ctr"/>
-        <c:lblOffset val="100"/>
-        <c:noMultiLvlLbl val="0"/>
-      </c:catAx>
-      <c:valAx>
-        <c:axId val="42756736"/>
-        <c:scaling>
-          <c:orientation val="minMax"/>
-        </c:scaling>
-        <c:delete val="0"/>
-        <c:axPos val="l"/>
-        <c:majorGridlines>
-          <c:spPr>
-            <a:ln w="9525" cap="flat" cmpd="sng" algn="ctr">
-              <a:solidFill>
-                <a:schemeClr val="tx1">
-                  <a:lumMod val="15000"/>
-                  <a:lumOff val="85000"/>
-                </a:schemeClr>
-              </a:solidFill>
-              <a:round/>
-            </a:ln>
-            <a:effectLst/>
-          </c:spPr>
-        </c:majorGridlines>
-        <c:numFmt formatCode="General" sourceLinked="1"/>
-        <c:majorTickMark val="none"/>
-        <c:minorTickMark val="none"/>
-        <c:tickLblPos val="nextTo"/>
-        <c:spPr>
-          <a:noFill/>
-          <a:ln>
-            <a:noFill/>
-          </a:ln>
-          <a:effectLst/>
-        </c:spPr>
-        <c:txPr>
-          <a:bodyPr rot="-60000000" spcFirstLastPara="1" vertOverflow="ellipsis" vert="horz" wrap="square" anchor="ctr" anchorCtr="1"/>
-          <a:lstStyle/>
-          <a:p>
-            <a:pPr>
-              <a:defRPr sz="1197" b="0" i="0" u="none" strike="noStrike" kern="1200" baseline="0">
-                <a:solidFill>
-                  <a:schemeClr val="tx1">
-                    <a:lumMod val="65000"/>
-                    <a:lumOff val="35000"/>
-                  </a:schemeClr>
-                </a:solidFill>
-                <a:latin typeface="+mn-lt"/>
-                <a:ea typeface="+mn-ea"/>
-                <a:cs typeface="+mn-cs"/>
-              </a:defRPr>
-            </a:pPr>
-            <a:endParaRPr lang="bg-BG"/>
-          </a:p>
-        </c:txPr>
-        <c:crossAx val="17622912"/>
-        <c:crosses val="autoZero"/>
-        <c:crossBetween val="between"/>
-      </c:valAx>
-      <c:spPr>
-        <a:noFill/>
-        <a:ln>
-          <a:noFill/>
-        </a:ln>
-        <a:effectLst/>
-      </c:spPr>
-    </c:plotArea>
-    <c:legend>
-      <c:legendPos val="b"/>
-      <c:layout/>
-      <c:overlay val="0"/>
-      <c:spPr>
-        <a:noFill/>
-        <a:ln>
-          <a:noFill/>
-        </a:ln>
-        <a:effectLst/>
-      </c:spPr>
-      <c:txPr>
-        <a:bodyPr rot="0" spcFirstLastPara="1" vertOverflow="ellipsis" vert="horz" wrap="square" anchor="ctr" anchorCtr="1"/>
-        <a:lstStyle/>
-        <a:p>
-          <a:pPr>
-            <a:defRPr sz="1197" b="0" i="0" u="none" strike="noStrike" kern="1200" baseline="0">
-              <a:solidFill>
-                <a:schemeClr val="tx1">
-                  <a:lumMod val="65000"/>
-                  <a:lumOff val="35000"/>
-                </a:schemeClr>
-              </a:solidFill>
-              <a:latin typeface="+mn-lt"/>
-              <a:ea typeface="+mn-ea"/>
-              <a:cs typeface="+mn-cs"/>
-            </a:defRPr>
-          </a:pPr>
-          <a:endParaRPr lang="bg-BG"/>
-        </a:p>
-      </c:txPr>
-    </c:legend>
-    <c:plotVisOnly val="1"/>
-    <c:dispBlanksAs val="gap"/>
-    <c:showDLblsOverMax val="0"/>
-  </c:chart>
-  <c:spPr>
-    <a:noFill/>
-    <a:ln>
-      <a:noFill/>
-    </a:ln>
-    <a:effectLst/>
-  </c:spPr>
-  <c:txPr>
-    <a:bodyPr/>
-    <a:lstStyle/>
-    <a:p>
-      <a:pPr>
-        <a:defRPr/>
-      </a:pPr>
-      <a:endParaRPr lang="bg-BG"/>
-    </a:p>
-  </c:txPr>
-  <c:externalData r:id="rId1">
-    <c:autoUpdate val="0"/>
-  </c:externalData>
-</c:chartSpace>
-</file>
-
-<file path=ppt/charts/chart2.xml><?xml version="1.0" encoding="utf-8"?>
-<c:chartSpace xmlns:c="http://schemas.openxmlformats.org/drawingml/2006/chart" xmlns:a="http://schemas.openxmlformats.org/drawingml/2006/main" xmlns:r="http://schemas.openxmlformats.org/officeDocument/2006/relationships">
-  <c:date1904 val="0"/>
-  <c:lang val="bg-BG"/>
-  <c:roundedCorners val="0"/>
-  <mc:AlternateContent xmlns:mc="http://schemas.openxmlformats.org/markup-compatibility/2006">
-    <mc:Choice xmlns:c14="http://schemas.microsoft.com/office/drawing/2007/8/2/chart" Requires="c14">
-      <c14:style val="102"/>
-    </mc:Choice>
-    <mc:Fallback>
-      <c:style val="2"/>
-    </mc:Fallback>
-  </mc:AlternateContent>
-  <c:chart>
-    <c:autoTitleDeleted val="1"/>
-    <c:plotArea>
-      <c:layout/>
-      <c:pieChart>
-        <c:varyColors val="1"/>
-        <c:ser>
-          <c:idx val="0"/>
-          <c:order val="0"/>
-          <c:tx>
-            <c:strRef>
-              <c:f>Sheet1!$B$1</c:f>
-              <c:strCache>
-                <c:ptCount val="1"/>
-                <c:pt idx="0">
-                  <c:v>Sales</c:v>
-                </c:pt>
-              </c:strCache>
-            </c:strRef>
-          </c:tx>
-          <c:dPt>
-            <c:idx val="0"/>
-            <c:bubble3D val="0"/>
-            <c:spPr>
-              <a:solidFill>
-                <a:schemeClr val="accent1"/>
-              </a:solidFill>
-              <a:ln w="19050">
-                <a:solidFill>
-                  <a:schemeClr val="lt1"/>
-                </a:solidFill>
-              </a:ln>
-              <a:effectLst/>
-            </c:spPr>
-          </c:dPt>
-          <c:dPt>
-            <c:idx val="1"/>
-            <c:bubble3D val="0"/>
-            <c:spPr>
-              <a:solidFill>
-                <a:schemeClr val="accent2"/>
-              </a:solidFill>
-              <a:ln w="19050">
-                <a:solidFill>
-                  <a:schemeClr val="lt1"/>
-                </a:solidFill>
-              </a:ln>
-              <a:effectLst/>
-            </c:spPr>
-          </c:dPt>
-          <c:dPt>
-            <c:idx val="2"/>
-            <c:bubble3D val="0"/>
-            <c:spPr>
-              <a:solidFill>
-                <a:schemeClr val="accent3"/>
-              </a:solidFill>
-              <a:ln w="19050">
-                <a:solidFill>
-                  <a:schemeClr val="lt1"/>
-                </a:solidFill>
-              </a:ln>
-              <a:effectLst/>
-            </c:spPr>
-          </c:dPt>
-          <c:dPt>
-            <c:idx val="3"/>
-            <c:bubble3D val="0"/>
-            <c:spPr>
-              <a:solidFill>
-                <a:schemeClr val="accent4"/>
-              </a:solidFill>
-              <a:ln w="19050">
-                <a:solidFill>
-                  <a:schemeClr val="lt1"/>
-                </a:solidFill>
-              </a:ln>
-              <a:effectLst/>
-            </c:spPr>
-          </c:dPt>
-          <c:dLbls>
-            <c:spPr>
-              <a:solidFill>
-                <a:prstClr val="white"/>
-              </a:solidFill>
-              <a:ln>
-                <a:solidFill>
-                  <a:prstClr val="black">
-                    <a:lumMod val="25000"/>
-                    <a:lumOff val="75000"/>
-                  </a:prstClr>
-                </a:solidFill>
-              </a:ln>
-              <a:effectLst/>
-            </c:spPr>
-            <c:txPr>
-              <a:bodyPr rot="0" spcFirstLastPara="1" vertOverflow="clip" horzOverflow="clip" vert="horz" wrap="square" lIns="38100" tIns="19050" rIns="38100" bIns="19050" anchor="ctr" anchorCtr="1">
-                <a:spAutoFit/>
-              </a:bodyPr>
-              <a:lstStyle/>
-              <a:p>
-                <a:pPr>
-                  <a:defRPr sz="1197" b="0" i="0" u="none" strike="noStrike" kern="1200" baseline="0">
-                    <a:solidFill>
-                      <a:schemeClr val="dk1">
-                        <a:lumMod val="65000"/>
-                        <a:lumOff val="35000"/>
-                      </a:schemeClr>
-                    </a:solidFill>
-                    <a:latin typeface="+mn-lt"/>
-                    <a:ea typeface="+mn-ea"/>
-                    <a:cs typeface="+mn-cs"/>
-                  </a:defRPr>
-                </a:pPr>
-                <a:endParaRPr lang="bg-BG"/>
-              </a:p>
-            </c:txPr>
-            <c:dLblPos val="outEnd"/>
-            <c:showLegendKey val="0"/>
-            <c:showVal val="1"/>
-            <c:showCatName val="1"/>
-            <c:showSerName val="0"/>
-            <c:showPercent val="1"/>
-            <c:showBubbleSize val="0"/>
-            <c:showLeaderLines val="0"/>
-            <c:extLst xmlns:c16r2="http://schemas.microsoft.com/office/drawing/2015/06/chart">
-              <c:ext xmlns:c15="http://schemas.microsoft.com/office/drawing/2012/chart" uri="{CE6537A1-D6FC-4f65-9D91-7224C49458BB}">
-                <c15:spPr xmlns:c15="http://schemas.microsoft.com/office/drawing/2012/chart">
-                  <a:prstGeom prst="wedgeRectCallout">
-                    <a:avLst/>
-                  </a:prstGeom>
-                  <a:noFill/>
-                  <a:ln>
-                    <a:noFill/>
-                  </a:ln>
-                </c15:spPr>
-                <c15:layout/>
-              </c:ext>
-            </c:extLst>
-          </c:dLbls>
-          <c:cat>
-            <c:strRef>
-              <c:f>Sheet1!$A$2:$A$5</c:f>
-              <c:strCache>
-                <c:ptCount val="2"/>
-                <c:pt idx="0">
-                  <c:v>Type: Work</c:v>
-                </c:pt>
-                <c:pt idx="1">
-                  <c:v>Type: Material</c:v>
-                </c:pt>
-              </c:strCache>
-            </c:strRef>
-          </c:cat>
-          <c:val>
-            <c:numRef>
-              <c:f>Sheet1!$B$2:$B$5</c:f>
-              <c:numCache>
-                <c:formatCode>General</c:formatCode>
-                <c:ptCount val="4"/>
-                <c:pt idx="0">
-                  <c:v>3863</c:v>
-                </c:pt>
-                <c:pt idx="1">
-                  <c:v>542</c:v>
-                </c:pt>
-              </c:numCache>
-            </c:numRef>
-          </c:val>
-          <c:extLst xmlns:c16r2="http://schemas.microsoft.com/office/drawing/2015/06/chart">
-            <c:ext xmlns:c16="http://schemas.microsoft.com/office/drawing/2014/chart" uri="{C3380CC4-5D6E-409C-BE32-E72D297353CC}">
-              <c16:uniqueId val="{00000000-03B1-4407-BF10-3FA5CC7D2009}"/>
-            </c:ext>
-          </c:extLst>
-        </c:ser>
-        <c:dLbls>
-          <c:showLegendKey val="0"/>
-          <c:showVal val="0"/>
-          <c:showCatName val="0"/>
-          <c:showSerName val="0"/>
-          <c:showPercent val="0"/>
-          <c:showBubbleSize val="0"/>
-          <c:showLeaderLines val="0"/>
-        </c:dLbls>
-        <c:firstSliceAng val="0"/>
-      </c:pieChart>
-      <c:spPr>
-        <a:noFill/>
-        <a:ln>
-          <a:noFill/>
-        </a:ln>
-        <a:effectLst/>
-      </c:spPr>
-    </c:plotArea>
-    <c:legend>
-      <c:legendPos val="b"/>
-      <c:legendEntry>
-        <c:idx val="2"/>
-        <c:delete val="1"/>
-      </c:legendEntry>
-      <c:legendEntry>
-        <c:idx val="3"/>
-        <c:delete val="1"/>
-      </c:legendEntry>
-      <c:layout/>
-      <c:overlay val="0"/>
-      <c:spPr>
-        <a:noFill/>
-        <a:ln>
-          <a:noFill/>
-        </a:ln>
-        <a:effectLst/>
-      </c:spPr>
-      <c:txPr>
-        <a:bodyPr rot="0" spcFirstLastPara="1" vertOverflow="ellipsis" vert="horz" wrap="square" anchor="ctr" anchorCtr="1"/>
-        <a:lstStyle/>
-        <a:p>
-          <a:pPr>
-            <a:defRPr sz="1197" b="0" i="0" u="none" strike="noStrike" kern="1200" baseline="0">
-              <a:solidFill>
-                <a:schemeClr val="tx1">
-                  <a:lumMod val="65000"/>
-                  <a:lumOff val="35000"/>
-                </a:schemeClr>
-              </a:solidFill>
-              <a:latin typeface="+mn-lt"/>
-              <a:ea typeface="+mn-ea"/>
-              <a:cs typeface="+mn-cs"/>
-            </a:defRPr>
-          </a:pPr>
-          <a:endParaRPr lang="bg-BG"/>
-        </a:p>
-      </c:txPr>
-    </c:legend>
-    <c:plotVisOnly val="1"/>
-    <c:dispBlanksAs val="gap"/>
-    <c:showDLblsOverMax val="0"/>
-  </c:chart>
-  <c:spPr>
-    <a:noFill/>
-    <a:ln>
-      <a:noFill/>
-    </a:ln>
-    <a:effectLst/>
-  </c:spPr>
-  <c:txPr>
-    <a:bodyPr/>
-    <a:lstStyle/>
-    <a:p>
-      <a:pPr>
-        <a:defRPr/>
-      </a:pPr>
-      <a:endParaRPr lang="bg-BG"/>
-    </a:p>
-  </c:txPr>
-  <c:externalData r:id="rId1">
-    <c:autoUpdate val="0"/>
-  </c:externalData>
-</c:chartSpace>
-</file>
-
-<file path=ppt/charts/chart3.xml><?xml version="1.0" encoding="utf-8"?>
-<c:chartSpace xmlns:c="http://schemas.openxmlformats.org/drawingml/2006/chart" xmlns:a="http://schemas.openxmlformats.org/drawingml/2006/main" xmlns:r="http://schemas.openxmlformats.org/officeDocument/2006/relationships">
-  <c:date1904 val="0"/>
-  <c:lang val="bg-BG"/>
-  <c:roundedCorners val="0"/>
-  <mc:AlternateContent xmlns:mc="http://schemas.openxmlformats.org/markup-compatibility/2006">
-    <mc:Choice xmlns:c14="http://schemas.microsoft.com/office/drawing/2007/8/2/chart" Requires="c14">
-      <c14:style val="102"/>
-    </mc:Choice>
-    <mc:Fallback>
-      <c:style val="2"/>
-    </mc:Fallback>
-  </mc:AlternateContent>
-  <c:chart>
-    <c:autoTitleDeleted val="1"/>
-    <c:plotArea>
-      <c:layout/>
-      <c:barChart>
-        <c:barDir val="col"/>
-        <c:grouping val="clustered"/>
-        <c:varyColors val="0"/>
-        <c:ser>
-          <c:idx val="0"/>
-          <c:order val="0"/>
-          <c:tx>
-            <c:strRef>
-              <c:f>Sheet1!$B$1</c:f>
-              <c:strCache>
-                <c:ptCount val="1"/>
-                <c:pt idx="0">
-                  <c:v>Actual Work</c:v>
-                </c:pt>
-              </c:strCache>
-            </c:strRef>
-          </c:tx>
-          <c:spPr>
-            <a:solidFill>
-              <a:schemeClr val="accent1"/>
-            </a:solidFill>
-            <a:ln>
-              <a:noFill/>
-            </a:ln>
-            <a:effectLst/>
-          </c:spPr>
-          <c:invertIfNegative val="0"/>
-          <c:cat>
-            <c:strRef>
-              <c:f>Sheet1!$A$2:$A$10</c:f>
-              <c:strCache>
-                <c:ptCount val="9"/>
-                <c:pt idx="0">
-                  <c:v>Получаване на разрешение за започване на проекта</c:v>
-                </c:pt>
-                <c:pt idx="1">
-                  <c:v>Събиране и анализ на клиентските изисквания </c:v>
-                </c:pt>
-                <c:pt idx="2">
-                  <c:v>Проектиране </c:v>
-                </c:pt>
-                <c:pt idx="3">
-                  <c:v>Създаване на техническо задание на проекта</c:v>
-                </c:pt>
-                <c:pt idx="4">
-                  <c:v>Разработване</c:v>
-                </c:pt>
-                <c:pt idx="5">
-                  <c:v>Тестване</c:v>
-                </c:pt>
-                <c:pt idx="6">
-                  <c:v>Създаване на потребителска документация </c:v>
-                </c:pt>
-                <c:pt idx="7">
-                  <c:v>Представяне на продукта на клиента </c:v>
-                </c:pt>
-                <c:pt idx="8">
-                  <c:v>Пускане в производство на програмния продукт</c:v>
-                </c:pt>
-              </c:strCache>
-            </c:strRef>
-          </c:cat>
-          <c:val>
-            <c:numRef>
-              <c:f>Sheet1!$B$2:$B$10</c:f>
-              <c:numCache>
-                <c:formatCode>General</c:formatCode>
-                <c:ptCount val="9"/>
-                <c:pt idx="0">
-                  <c:v>0</c:v>
-                </c:pt>
-                <c:pt idx="1">
-                  <c:v>15</c:v>
-                </c:pt>
-                <c:pt idx="2">
-                  <c:v>45</c:v>
-                </c:pt>
-                <c:pt idx="3">
-                  <c:v>48</c:v>
-                </c:pt>
-                <c:pt idx="4">
-                  <c:v>72</c:v>
-                </c:pt>
-                <c:pt idx="5">
-                  <c:v>0</c:v>
-                </c:pt>
-                <c:pt idx="6">
-                  <c:v>0</c:v>
-                </c:pt>
-                <c:pt idx="7">
-                  <c:v>0</c:v>
-                </c:pt>
-                <c:pt idx="8">
-                  <c:v>0</c:v>
-                </c:pt>
-              </c:numCache>
-            </c:numRef>
-          </c:val>
-          <c:extLst xmlns:c16r2="http://schemas.microsoft.com/office/drawing/2015/06/chart">
-            <c:ext xmlns:c16="http://schemas.microsoft.com/office/drawing/2014/chart" uri="{C3380CC4-5D6E-409C-BE32-E72D297353CC}">
-              <c16:uniqueId val="{00000000-226F-428E-ADBA-DC17B6C8C29B}"/>
-            </c:ext>
-          </c:extLst>
-        </c:ser>
-        <c:ser>
-          <c:idx val="1"/>
-          <c:order val="1"/>
-          <c:tx>
-            <c:strRef>
-              <c:f>Sheet1!$C$1</c:f>
-              <c:strCache>
-                <c:ptCount val="1"/>
-                <c:pt idx="0">
-                  <c:v>Remaining Work</c:v>
-                </c:pt>
-              </c:strCache>
-            </c:strRef>
-          </c:tx>
-          <c:spPr>
-            <a:solidFill>
-              <a:schemeClr val="accent2"/>
-            </a:solidFill>
-            <a:ln>
-              <a:noFill/>
-            </a:ln>
-            <a:effectLst/>
-          </c:spPr>
-          <c:invertIfNegative val="0"/>
-          <c:cat>
-            <c:strRef>
-              <c:f>Sheet1!$A$2:$A$10</c:f>
-              <c:strCache>
-                <c:ptCount val="9"/>
-                <c:pt idx="0">
-                  <c:v>Получаване на разрешение за започване на проекта</c:v>
-                </c:pt>
-                <c:pt idx="1">
-                  <c:v>Събиране и анализ на клиентските изисквания </c:v>
-                </c:pt>
-                <c:pt idx="2">
-                  <c:v>Проектиране </c:v>
-                </c:pt>
-                <c:pt idx="3">
-                  <c:v>Създаване на техническо задание на проекта</c:v>
-                </c:pt>
-                <c:pt idx="4">
-                  <c:v>Разработване</c:v>
-                </c:pt>
-                <c:pt idx="5">
-                  <c:v>Тестване</c:v>
-                </c:pt>
-                <c:pt idx="6">
-                  <c:v>Създаване на потребителска документация </c:v>
-                </c:pt>
-                <c:pt idx="7">
-                  <c:v>Представяне на продукта на клиента </c:v>
-                </c:pt>
-                <c:pt idx="8">
-                  <c:v>Пускане в производство на програмния продукт</c:v>
-                </c:pt>
-              </c:strCache>
-            </c:strRef>
-          </c:cat>
-          <c:val>
-            <c:numRef>
-              <c:f>Sheet1!$C$2:$C$10</c:f>
-              <c:numCache>
-                <c:formatCode>General</c:formatCode>
-                <c:ptCount val="9"/>
-                <c:pt idx="0">
-                  <c:v>0</c:v>
-                </c:pt>
-                <c:pt idx="1">
-                  <c:v>0</c:v>
-                </c:pt>
-                <c:pt idx="2">
-                  <c:v>0</c:v>
-                </c:pt>
-                <c:pt idx="3">
-                  <c:v>0</c:v>
-                </c:pt>
-                <c:pt idx="4">
-                  <c:v>45</c:v>
-                </c:pt>
-                <c:pt idx="5">
-                  <c:v>24</c:v>
-                </c:pt>
-                <c:pt idx="6">
-                  <c:v>75</c:v>
-                </c:pt>
-                <c:pt idx="7">
-                  <c:v>5</c:v>
-                </c:pt>
-                <c:pt idx="8">
-                  <c:v>7</c:v>
-                </c:pt>
-              </c:numCache>
-            </c:numRef>
-          </c:val>
-          <c:extLst xmlns:c16r2="http://schemas.microsoft.com/office/drawing/2015/06/chart">
-            <c:ext xmlns:c16="http://schemas.microsoft.com/office/drawing/2014/chart" uri="{C3380CC4-5D6E-409C-BE32-E72D297353CC}">
-              <c16:uniqueId val="{00000001-226F-428E-ADBA-DC17B6C8C29B}"/>
-            </c:ext>
-          </c:extLst>
-        </c:ser>
-        <c:ser>
-          <c:idx val="2"/>
-          <c:order val="2"/>
-          <c:tx>
-            <c:strRef>
-              <c:f>Sheet1!$D$1</c:f>
-              <c:strCache>
-                <c:ptCount val="1"/>
-                <c:pt idx="0">
-                  <c:v>Baseline Work</c:v>
-                </c:pt>
-              </c:strCache>
-            </c:strRef>
-          </c:tx>
-          <c:spPr>
-            <a:solidFill>
-              <a:schemeClr val="accent3"/>
-            </a:solidFill>
-            <a:ln>
-              <a:noFill/>
-            </a:ln>
-            <a:effectLst/>
-          </c:spPr>
-          <c:invertIfNegative val="0"/>
-          <c:cat>
-            <c:strRef>
-              <c:f>Sheet1!$A$2:$A$10</c:f>
-              <c:strCache>
-                <c:ptCount val="9"/>
-                <c:pt idx="0">
-                  <c:v>Получаване на разрешение за започване на проекта</c:v>
-                </c:pt>
-                <c:pt idx="1">
-                  <c:v>Събиране и анализ на клиентските изисквания </c:v>
-                </c:pt>
-                <c:pt idx="2">
-                  <c:v>Проектиране </c:v>
-                </c:pt>
-                <c:pt idx="3">
-                  <c:v>Създаване на техническо задание на проекта</c:v>
-                </c:pt>
-                <c:pt idx="4">
-                  <c:v>Разработване</c:v>
-                </c:pt>
-                <c:pt idx="5">
-                  <c:v>Тестване</c:v>
-                </c:pt>
-                <c:pt idx="6">
-                  <c:v>Създаване на потребителска документация </c:v>
-                </c:pt>
-                <c:pt idx="7">
-                  <c:v>Представяне на продукта на клиента </c:v>
-                </c:pt>
-                <c:pt idx="8">
-                  <c:v>Пускане в производство на програмния продукт</c:v>
-                </c:pt>
-              </c:strCache>
-            </c:strRef>
-          </c:cat>
-          <c:val>
-            <c:numRef>
-              <c:f>Sheet1!$D$2:$D$10</c:f>
-              <c:numCache>
-                <c:formatCode>General</c:formatCode>
-                <c:ptCount val="9"/>
-              </c:numCache>
-            </c:numRef>
-          </c:val>
-          <c:extLst xmlns:c16r2="http://schemas.microsoft.com/office/drawing/2015/06/chart">
-            <c:ext xmlns:c16="http://schemas.microsoft.com/office/drawing/2014/chart" uri="{C3380CC4-5D6E-409C-BE32-E72D297353CC}">
-              <c16:uniqueId val="{00000002-226F-428E-ADBA-DC17B6C8C29B}"/>
-            </c:ext>
-          </c:extLst>
-        </c:ser>
-        <c:dLbls>
-          <c:showLegendKey val="0"/>
-          <c:showVal val="0"/>
-          <c:showCatName val="0"/>
-          <c:showSerName val="0"/>
-          <c:showPercent val="0"/>
-          <c:showBubbleSize val="0"/>
-        </c:dLbls>
-        <c:gapWidth val="219"/>
-        <c:overlap val="-27"/>
-        <c:axId val="43972480"/>
-        <c:axId val="44077824"/>
-      </c:barChart>
-      <c:catAx>
-        <c:axId val="43972480"/>
-        <c:scaling>
-          <c:orientation val="minMax"/>
-        </c:scaling>
-        <c:delete val="0"/>
-        <c:axPos val="b"/>
-        <c:numFmt formatCode="General" sourceLinked="1"/>
-        <c:majorTickMark val="none"/>
-        <c:minorTickMark val="none"/>
-        <c:tickLblPos val="nextTo"/>
-        <c:spPr>
-          <a:noFill/>
-          <a:ln w="9525" cap="flat" cmpd="sng" algn="ctr">
-            <a:solidFill>
-              <a:schemeClr val="tx1">
-                <a:lumMod val="15000"/>
-                <a:lumOff val="85000"/>
-              </a:schemeClr>
-            </a:solidFill>
-            <a:round/>
-          </a:ln>
-          <a:effectLst/>
-        </c:spPr>
-        <c:txPr>
-          <a:bodyPr rot="-60000000" spcFirstLastPara="1" vertOverflow="ellipsis" vert="horz" wrap="square" anchor="ctr" anchorCtr="1"/>
-          <a:lstStyle/>
-          <a:p>
-            <a:pPr>
-              <a:defRPr sz="1197" b="0" i="0" u="none" strike="noStrike" kern="1200" baseline="0">
-                <a:solidFill>
-                  <a:schemeClr val="tx1">
-                    <a:lumMod val="65000"/>
-                    <a:lumOff val="35000"/>
-                  </a:schemeClr>
-                </a:solidFill>
-                <a:latin typeface="+mn-lt"/>
-                <a:ea typeface="+mn-ea"/>
-                <a:cs typeface="+mn-cs"/>
-              </a:defRPr>
-            </a:pPr>
-            <a:endParaRPr lang="bg-BG"/>
-          </a:p>
-        </c:txPr>
-        <c:crossAx val="44077824"/>
-        <c:crosses val="autoZero"/>
-        <c:auto val="1"/>
-        <c:lblAlgn val="ctr"/>
-        <c:lblOffset val="100"/>
-        <c:noMultiLvlLbl val="0"/>
-      </c:catAx>
-      <c:valAx>
-        <c:axId val="44077824"/>
-        <c:scaling>
-          <c:orientation val="minMax"/>
-        </c:scaling>
-        <c:delete val="0"/>
-        <c:axPos val="l"/>
-        <c:majorGridlines>
-          <c:spPr>
-            <a:ln w="9525" cap="flat" cmpd="sng" algn="ctr">
-              <a:solidFill>
-                <a:schemeClr val="tx1">
-                  <a:lumMod val="15000"/>
-                  <a:lumOff val="85000"/>
-                </a:schemeClr>
-              </a:solidFill>
-              <a:round/>
-            </a:ln>
-            <a:effectLst/>
-          </c:spPr>
-        </c:majorGridlines>
-        <c:numFmt formatCode="General" sourceLinked="1"/>
-        <c:majorTickMark val="none"/>
-        <c:minorTickMark val="none"/>
-        <c:tickLblPos val="nextTo"/>
-        <c:spPr>
-          <a:noFill/>
-          <a:ln>
-            <a:noFill/>
-          </a:ln>
-          <a:effectLst/>
-        </c:spPr>
-        <c:txPr>
-          <a:bodyPr rot="-60000000" spcFirstLastPara="1" vertOverflow="ellipsis" vert="horz" wrap="square" anchor="ctr" anchorCtr="1"/>
-          <a:lstStyle/>
-          <a:p>
-            <a:pPr>
-              <a:defRPr sz="1197" b="0" i="0" u="none" strike="noStrike" kern="1200" baseline="0">
-                <a:solidFill>
-                  <a:schemeClr val="tx1">
-                    <a:lumMod val="65000"/>
-                    <a:lumOff val="35000"/>
-                  </a:schemeClr>
-                </a:solidFill>
-                <a:latin typeface="+mn-lt"/>
-                <a:ea typeface="+mn-ea"/>
-                <a:cs typeface="+mn-cs"/>
-              </a:defRPr>
-            </a:pPr>
-            <a:endParaRPr lang="bg-BG"/>
-          </a:p>
-        </c:txPr>
-        <c:crossAx val="43972480"/>
-        <c:crosses val="autoZero"/>
-        <c:crossBetween val="between"/>
-      </c:valAx>
-      <c:spPr>
-        <a:noFill/>
-        <a:ln>
-          <a:noFill/>
-        </a:ln>
-        <a:effectLst/>
-      </c:spPr>
-    </c:plotArea>
-    <c:legend>
-      <c:legendPos val="b"/>
-      <c:layout/>
-      <c:overlay val="0"/>
-      <c:spPr>
-        <a:noFill/>
-        <a:ln>
-          <a:noFill/>
-        </a:ln>
-        <a:effectLst/>
-      </c:spPr>
-      <c:txPr>
-        <a:bodyPr rot="0" spcFirstLastPara="1" vertOverflow="ellipsis" vert="horz" wrap="square" anchor="ctr" anchorCtr="1"/>
-        <a:lstStyle/>
-        <a:p>
-          <a:pPr>
-            <a:defRPr sz="1197" b="0" i="0" u="none" strike="noStrike" kern="1200" baseline="0">
-              <a:solidFill>
-                <a:schemeClr val="tx1">
-                  <a:lumMod val="65000"/>
-                  <a:lumOff val="35000"/>
-                </a:schemeClr>
-              </a:solidFill>
-              <a:latin typeface="+mn-lt"/>
-              <a:ea typeface="+mn-ea"/>
-              <a:cs typeface="+mn-cs"/>
-            </a:defRPr>
-          </a:pPr>
-          <a:endParaRPr lang="bg-BG"/>
-        </a:p>
-      </c:txPr>
-    </c:legend>
-    <c:plotVisOnly val="1"/>
-    <c:dispBlanksAs val="gap"/>
-    <c:showDLblsOverMax val="0"/>
-  </c:chart>
-  <c:spPr>
-    <a:noFill/>
-    <a:ln>
-      <a:noFill/>
-    </a:ln>
-    <a:effectLst/>
-  </c:spPr>
-  <c:txPr>
-    <a:bodyPr/>
-    <a:lstStyle/>
-    <a:p>
-      <a:pPr>
-        <a:defRPr/>
-      </a:pPr>
-      <a:endParaRPr lang="bg-BG"/>
-    </a:p>
-  </c:txPr>
-  <c:externalData r:id="rId1">
-    <c:autoUpdate val="0"/>
-  </c:externalData>
-</c:chartSpace>
-</file>
-
-<file path=ppt/charts/chart4.xml><?xml version="1.0" encoding="utf-8"?>
-<c:chartSpace xmlns:c="http://schemas.openxmlformats.org/drawingml/2006/chart" xmlns:a="http://schemas.openxmlformats.org/drawingml/2006/main" xmlns:r="http://schemas.openxmlformats.org/officeDocument/2006/relationships">
-  <c:date1904 val="0"/>
-  <c:lang val="bg-BG"/>
+  <c:lang val="en-US"/>
   <c:roundedCorners val="0"/>
   <mc:AlternateContent xmlns:mc="http://schemas.openxmlformats.org/markup-compatibility/2006">
     <mc:Choice xmlns:c14="http://schemas.microsoft.com/office/drawing/2007/8/2/chart" Requires="c14">
@@ -1476,7 +260,7 @@
               </c:numCache>
             </c:numRef>
           </c:val>
-          <c:extLst xmlns:c16r2="http://schemas.microsoft.com/office/drawing/2015/06/chart">
+          <c:extLst>
             <c:ext xmlns:c16="http://schemas.microsoft.com/office/drawing/2014/chart" uri="{C3380CC4-5D6E-409C-BE32-E72D297353CC}">
               <c16:uniqueId val="{00000000-12E0-4672-B0D2-3C687202AF4C}"/>
             </c:ext>
@@ -1541,7 +325,7 @@
               </c:numCache>
             </c:numRef>
           </c:val>
-          <c:extLst xmlns:c16r2="http://schemas.microsoft.com/office/drawing/2015/06/chart">
+          <c:extLst>
             <c:ext xmlns:c16="http://schemas.microsoft.com/office/drawing/2014/chart" uri="{C3380CC4-5D6E-409C-BE32-E72D297353CC}">
               <c16:uniqueId val="{00000001-12E0-4672-B0D2-3C687202AF4C}"/>
             </c:ext>
@@ -1557,11 +341,11 @@
         </c:dLbls>
         <c:gapWidth val="150"/>
         <c:overlap val="100"/>
-        <c:axId val="44223872"/>
-        <c:axId val="44246912"/>
+        <c:axId val="181597312"/>
+        <c:axId val="181598848"/>
       </c:barChart>
       <c:catAx>
-        <c:axId val="44223872"/>
+        <c:axId val="181597312"/>
         <c:scaling>
           <c:orientation val="minMax"/>
         </c:scaling>
@@ -1604,7 +388,7 @@
             <a:endParaRPr lang="bg-BG"/>
           </a:p>
         </c:txPr>
-        <c:crossAx val="44246912"/>
+        <c:crossAx val="181598848"/>
         <c:crosses val="autoZero"/>
         <c:auto val="1"/>
         <c:lblAlgn val="ctr"/>
@@ -1612,7 +396,7 @@
         <c:noMultiLvlLbl val="0"/>
       </c:catAx>
       <c:valAx>
-        <c:axId val="44246912"/>
+        <c:axId val="181598848"/>
         <c:scaling>
           <c:orientation val="minMax"/>
         </c:scaling>
@@ -1663,7 +447,7 @@
             <a:endParaRPr lang="bg-BG"/>
           </a:p>
         </c:txPr>
-        <c:crossAx val="44223872"/>
+        <c:crossAx val="181597312"/>
         <c:crosses val="autoZero"/>
         <c:crossBetween val="between"/>
       </c:valAx>
@@ -1677,6 +461,296 @@
     </c:plotArea>
     <c:legend>
       <c:legendPos val="b"/>
+      <c:layout/>
+      <c:overlay val="0"/>
+      <c:spPr>
+        <a:noFill/>
+        <a:ln>
+          <a:noFill/>
+        </a:ln>
+        <a:effectLst/>
+      </c:spPr>
+      <c:txPr>
+        <a:bodyPr rot="0" spcFirstLastPara="1" vertOverflow="ellipsis" vert="horz" wrap="square" anchor="ctr" anchorCtr="1"/>
+        <a:lstStyle/>
+        <a:p>
+          <a:pPr>
+            <a:defRPr sz="1197" b="0" i="0" u="none" strike="noStrike" kern="1200" baseline="0">
+              <a:solidFill>
+                <a:schemeClr val="tx1">
+                  <a:lumMod val="65000"/>
+                  <a:lumOff val="35000"/>
+                </a:schemeClr>
+              </a:solidFill>
+              <a:latin typeface="+mn-lt"/>
+              <a:ea typeface="+mn-ea"/>
+              <a:cs typeface="+mn-cs"/>
+            </a:defRPr>
+          </a:pPr>
+          <a:endParaRPr lang="bg-BG"/>
+        </a:p>
+      </c:txPr>
+    </c:legend>
+    <c:plotVisOnly val="1"/>
+    <c:dispBlanksAs val="gap"/>
+    <c:showDLblsOverMax val="0"/>
+  </c:chart>
+  <c:spPr>
+    <a:noFill/>
+    <a:ln>
+      <a:noFill/>
+    </a:ln>
+    <a:effectLst/>
+  </c:spPr>
+  <c:txPr>
+    <a:bodyPr/>
+    <a:lstStyle/>
+    <a:p>
+      <a:pPr>
+        <a:defRPr/>
+      </a:pPr>
+      <a:endParaRPr lang="bg-BG"/>
+    </a:p>
+  </c:txPr>
+  <c:externalData r:id="rId1">
+    <c:autoUpdate val="0"/>
+  </c:externalData>
+</c:chartSpace>
+</file>
+
+<file path=ppt/charts/chart2.xml><?xml version="1.0" encoding="utf-8"?>
+<c:chartSpace xmlns:c="http://schemas.openxmlformats.org/drawingml/2006/chart" xmlns:a="http://schemas.openxmlformats.org/drawingml/2006/main" xmlns:r="http://schemas.openxmlformats.org/officeDocument/2006/relationships" xmlns:c16r2="http://schemas.microsoft.com/office/drawing/2015/06/chart">
+  <c:date1904 val="0"/>
+  <c:lang val="en-US"/>
+  <c:roundedCorners val="0"/>
+  <mc:AlternateContent xmlns:mc="http://schemas.openxmlformats.org/markup-compatibility/2006">
+    <mc:Choice xmlns:c14="http://schemas.microsoft.com/office/drawing/2007/8/2/chart" Requires="c14">
+      <c14:style val="102"/>
+    </mc:Choice>
+    <mc:Fallback>
+      <c:style val="2"/>
+    </mc:Fallback>
+  </mc:AlternateContent>
+  <c:chart>
+    <c:autoTitleDeleted val="1"/>
+    <c:plotArea>
+      <c:layout/>
+      <c:pieChart>
+        <c:varyColors val="1"/>
+        <c:ser>
+          <c:idx val="0"/>
+          <c:order val="0"/>
+          <c:tx>
+            <c:strRef>
+              <c:f>Sheet1!$B$1</c:f>
+              <c:strCache>
+                <c:ptCount val="1"/>
+                <c:pt idx="0">
+                  <c:v>Sales</c:v>
+                </c:pt>
+              </c:strCache>
+            </c:strRef>
+          </c:tx>
+          <c:dPt>
+            <c:idx val="0"/>
+            <c:bubble3D val="0"/>
+            <c:spPr>
+              <a:solidFill>
+                <a:schemeClr val="accent1"/>
+              </a:solidFill>
+              <a:ln w="19050">
+                <a:solidFill>
+                  <a:schemeClr val="lt1"/>
+                </a:solidFill>
+              </a:ln>
+              <a:effectLst/>
+            </c:spPr>
+            <c:extLst>
+              <c:ext xmlns:c16="http://schemas.microsoft.com/office/drawing/2014/chart" uri="{C3380CC4-5D6E-409C-BE32-E72D297353CC}">
+                <c16:uniqueId val="{00000001-D870-4AFC-A627-14DE1E081184}"/>
+              </c:ext>
+            </c:extLst>
+          </c:dPt>
+          <c:dPt>
+            <c:idx val="1"/>
+            <c:bubble3D val="0"/>
+            <c:spPr>
+              <a:solidFill>
+                <a:schemeClr val="accent2"/>
+              </a:solidFill>
+              <a:ln w="19050">
+                <a:solidFill>
+                  <a:schemeClr val="lt1"/>
+                </a:solidFill>
+              </a:ln>
+              <a:effectLst/>
+            </c:spPr>
+            <c:extLst>
+              <c:ext xmlns:c16="http://schemas.microsoft.com/office/drawing/2014/chart" uri="{C3380CC4-5D6E-409C-BE32-E72D297353CC}">
+                <c16:uniqueId val="{00000003-D870-4AFC-A627-14DE1E081184}"/>
+              </c:ext>
+            </c:extLst>
+          </c:dPt>
+          <c:dPt>
+            <c:idx val="2"/>
+            <c:bubble3D val="0"/>
+            <c:spPr>
+              <a:solidFill>
+                <a:schemeClr val="accent3"/>
+              </a:solidFill>
+              <a:ln w="19050">
+                <a:solidFill>
+                  <a:schemeClr val="lt1"/>
+                </a:solidFill>
+              </a:ln>
+              <a:effectLst/>
+            </c:spPr>
+            <c:extLst>
+              <c:ext xmlns:c16="http://schemas.microsoft.com/office/drawing/2014/chart" uri="{C3380CC4-5D6E-409C-BE32-E72D297353CC}">
+                <c16:uniqueId val="{00000005-D870-4AFC-A627-14DE1E081184}"/>
+              </c:ext>
+            </c:extLst>
+          </c:dPt>
+          <c:dPt>
+            <c:idx val="3"/>
+            <c:bubble3D val="0"/>
+            <c:spPr>
+              <a:solidFill>
+                <a:schemeClr val="accent4"/>
+              </a:solidFill>
+              <a:ln w="19050">
+                <a:solidFill>
+                  <a:schemeClr val="lt1"/>
+                </a:solidFill>
+              </a:ln>
+              <a:effectLst/>
+            </c:spPr>
+            <c:extLst>
+              <c:ext xmlns:c16="http://schemas.microsoft.com/office/drawing/2014/chart" uri="{C3380CC4-5D6E-409C-BE32-E72D297353CC}">
+                <c16:uniqueId val="{00000007-D870-4AFC-A627-14DE1E081184}"/>
+              </c:ext>
+            </c:extLst>
+          </c:dPt>
+          <c:dLbls>
+            <c:spPr>
+              <a:solidFill>
+                <a:prstClr val="white"/>
+              </a:solidFill>
+              <a:ln>
+                <a:solidFill>
+                  <a:prstClr val="black">
+                    <a:lumMod val="25000"/>
+                    <a:lumOff val="75000"/>
+                  </a:prstClr>
+                </a:solidFill>
+              </a:ln>
+              <a:effectLst/>
+            </c:spPr>
+            <c:txPr>
+              <a:bodyPr rot="0" spcFirstLastPara="1" vertOverflow="clip" horzOverflow="clip" vert="horz" wrap="square" lIns="38100" tIns="19050" rIns="38100" bIns="19050" anchor="ctr" anchorCtr="1">
+                <a:spAutoFit/>
+              </a:bodyPr>
+              <a:lstStyle/>
+              <a:p>
+                <a:pPr>
+                  <a:defRPr sz="1197" b="0" i="0" u="none" strike="noStrike" kern="1200" baseline="0">
+                    <a:solidFill>
+                      <a:schemeClr val="dk1">
+                        <a:lumMod val="65000"/>
+                        <a:lumOff val="35000"/>
+                      </a:schemeClr>
+                    </a:solidFill>
+                    <a:latin typeface="+mn-lt"/>
+                    <a:ea typeface="+mn-ea"/>
+                    <a:cs typeface="+mn-cs"/>
+                  </a:defRPr>
+                </a:pPr>
+                <a:endParaRPr lang="bg-BG"/>
+              </a:p>
+            </c:txPr>
+            <c:dLblPos val="outEnd"/>
+            <c:showLegendKey val="0"/>
+            <c:showVal val="1"/>
+            <c:showCatName val="1"/>
+            <c:showSerName val="0"/>
+            <c:showPercent val="1"/>
+            <c:showBubbleSize val="0"/>
+            <c:showLeaderLines val="0"/>
+            <c:extLst>
+              <c:ext xmlns:c15="http://schemas.microsoft.com/office/drawing/2012/chart" uri="{CE6537A1-D6FC-4f65-9D91-7224C49458BB}">
+                <c15:spPr xmlns:c15="http://schemas.microsoft.com/office/drawing/2012/chart">
+                  <a:prstGeom prst="wedgeRectCallout">
+                    <a:avLst/>
+                  </a:prstGeom>
+                </c15:spPr>
+                <c15:layout/>
+              </c:ext>
+            </c:extLst>
+          </c:dLbls>
+          <c:cat>
+            <c:strRef>
+              <c:f>Sheet1!$A$2:$A$5</c:f>
+              <c:strCache>
+                <c:ptCount val="2"/>
+                <c:pt idx="0">
+                  <c:v>Type: Work</c:v>
+                </c:pt>
+                <c:pt idx="1">
+                  <c:v>Type: Material</c:v>
+                </c:pt>
+              </c:strCache>
+            </c:strRef>
+          </c:cat>
+          <c:val>
+            <c:numRef>
+              <c:f>Sheet1!$B$2:$B$5</c:f>
+              <c:numCache>
+                <c:formatCode>General</c:formatCode>
+                <c:ptCount val="4"/>
+                <c:pt idx="0">
+                  <c:v>3863</c:v>
+                </c:pt>
+                <c:pt idx="1">
+                  <c:v>542</c:v>
+                </c:pt>
+              </c:numCache>
+            </c:numRef>
+          </c:val>
+          <c:extLst>
+            <c:ext xmlns:c16="http://schemas.microsoft.com/office/drawing/2014/chart" uri="{C3380CC4-5D6E-409C-BE32-E72D297353CC}">
+              <c16:uniqueId val="{00000000-03B1-4407-BF10-3FA5CC7D2009}"/>
+            </c:ext>
+          </c:extLst>
+        </c:ser>
+        <c:dLbls>
+          <c:showLegendKey val="0"/>
+          <c:showVal val="0"/>
+          <c:showCatName val="0"/>
+          <c:showSerName val="0"/>
+          <c:showPercent val="0"/>
+          <c:showBubbleSize val="0"/>
+          <c:showLeaderLines val="0"/>
+        </c:dLbls>
+        <c:firstSliceAng val="0"/>
+      </c:pieChart>
+      <c:spPr>
+        <a:noFill/>
+        <a:ln>
+          <a:noFill/>
+        </a:ln>
+        <a:effectLst/>
+      </c:spPr>
+    </c:plotArea>
+    <c:legend>
+      <c:legendPos val="b"/>
+      <c:legendEntry>
+        <c:idx val="2"/>
+        <c:delete val="1"/>
+      </c:legendEntry>
+      <c:legendEntry>
+        <c:idx val="3"/>
+        <c:delete val="1"/>
+      </c:legendEntry>
       <c:layout/>
       <c:overlay val="0"/>
       <c:spPr>
@@ -3546,7 +2620,7 @@
           <a:p>
             <a:fld id="{2C000EA5-E819-483D-AEC0-C6643DBCC2D8}" type="datetimeFigureOut">
               <a:rPr lang="bg-BG" smtClean="0"/>
-              <a:t>6.5.2019 г.</a:t>
+              <a:t>7.5.2019 г.</a:t>
             </a:fld>
             <a:endParaRPr lang="bg-BG"/>
           </a:p>
@@ -3727,7 +2801,7 @@
           <a:p>
             <a:fld id="{2C000EA5-E819-483D-AEC0-C6643DBCC2D8}" type="datetimeFigureOut">
               <a:rPr lang="bg-BG" smtClean="0"/>
-              <a:t>6.5.2019 г.</a:t>
+              <a:t>7.5.2019 г.</a:t>
             </a:fld>
             <a:endParaRPr lang="bg-BG"/>
           </a:p>
@@ -3878,7 +2952,7 @@
           <a:p>
             <a:fld id="{2C000EA5-E819-483D-AEC0-C6643DBCC2D8}" type="datetimeFigureOut">
               <a:rPr lang="bg-BG" smtClean="0"/>
-              <a:t>6.5.2019 г.</a:t>
+              <a:t>7.5.2019 г.</a:t>
             </a:fld>
             <a:endParaRPr lang="bg-BG"/>
           </a:p>
@@ -5704,7 +4778,7 @@
           <a:p>
             <a:fld id="{2C000EA5-E819-483D-AEC0-C6643DBCC2D8}" type="datetimeFigureOut">
               <a:rPr lang="bg-BG" smtClean="0"/>
-              <a:t>6.5.2019 г.</a:t>
+              <a:t>7.5.2019 г.</a:t>
             </a:fld>
             <a:endParaRPr lang="bg-BG"/>
           </a:p>
@@ -7574,7 +6648,7 @@
           <a:p>
             <a:fld id="{2C000EA5-E819-483D-AEC0-C6643DBCC2D8}" type="datetimeFigureOut">
               <a:rPr lang="bg-BG" smtClean="0"/>
-              <a:t>6.5.2019 г.</a:t>
+              <a:t>7.5.2019 г.</a:t>
             </a:fld>
             <a:endParaRPr lang="bg-BG"/>
           </a:p>
@@ -7687,7 +6761,7 @@
           <a:p>
             <a:fld id="{2C000EA5-E819-483D-AEC0-C6643DBCC2D8}" type="datetimeFigureOut">
               <a:rPr lang="bg-BG" smtClean="0"/>
-              <a:t>6.5.2019 г.</a:t>
+              <a:t>7.5.2019 г.</a:t>
             </a:fld>
             <a:endParaRPr lang="bg-BG"/>
           </a:p>
@@ -8228,7 +7302,7 @@
           <a:p>
             <a:fld id="{2C000EA5-E819-483D-AEC0-C6643DBCC2D8}" type="datetimeFigureOut">
               <a:rPr lang="bg-BG" smtClean="0"/>
-              <a:t>6.5.2019 г.</a:t>
+              <a:t>7.5.2019 г.</a:t>
             </a:fld>
             <a:endParaRPr lang="bg-BG"/>
           </a:p>
@@ -8341,7 +7415,7 @@
           <a:p>
             <a:fld id="{2C000EA5-E819-483D-AEC0-C6643DBCC2D8}" type="datetimeFigureOut">
               <a:rPr lang="bg-BG" smtClean="0"/>
-              <a:t>6.5.2019 г.</a:t>
+              <a:t>7.5.2019 г.</a:t>
             </a:fld>
             <a:endParaRPr lang="bg-BG"/>
           </a:p>
@@ -10052,7 +9126,7 @@
           <a:p>
             <a:fld id="{2C000EA5-E819-483D-AEC0-C6643DBCC2D8}" type="datetimeFigureOut">
               <a:rPr lang="bg-BG" smtClean="0"/>
-              <a:t>6.5.2019 г.</a:t>
+              <a:t>7.5.2019 г.</a:t>
             </a:fld>
             <a:endParaRPr lang="bg-BG"/>
           </a:p>
@@ -10203,7 +9277,7 @@
           <a:p>
             <a:fld id="{2C000EA5-E819-483D-AEC0-C6643DBCC2D8}" type="datetimeFigureOut">
               <a:rPr lang="bg-BG" smtClean="0"/>
-              <a:t>6.5.2019 г.</a:t>
+              <a:t>7.5.2019 г.</a:t>
             </a:fld>
             <a:endParaRPr lang="bg-BG"/>
           </a:p>
@@ -13818,7 +12892,7 @@
           <a:p>
             <a:fld id="{2C000EA5-E819-483D-AEC0-C6643DBCC2D8}" type="datetimeFigureOut">
               <a:rPr lang="bg-BG" smtClean="0"/>
-              <a:t>6.5.2019 г.</a:t>
+              <a:t>7.5.2019 г.</a:t>
             </a:fld>
             <a:endParaRPr lang="bg-BG"/>
           </a:p>
@@ -15677,7 +14751,7 @@
           <a:p>
             <a:fld id="{2C000EA5-E819-483D-AEC0-C6643DBCC2D8}" type="datetimeFigureOut">
               <a:rPr lang="bg-BG" smtClean="0"/>
-              <a:t>6.5.2019 г.</a:t>
+              <a:t>7.5.2019 г.</a:t>
             </a:fld>
             <a:endParaRPr lang="bg-BG"/>
           </a:p>
@@ -16344,7 +15418,7 @@
           </p:nvPr>
         </p:nvPicPr>
         <p:blipFill>
-          <a:blip r:embed="rId2">
+          <a:blip r:embed="rId2" cstate="print">
             <a:extLst>
               <a:ext uri="{28A0092B-C50C-407E-A947-70E740481C1C}">
                 <a14:useLocalDpi xmlns:a14="http://schemas.microsoft.com/office/drawing/2010/main" val="0"/>
@@ -16357,8 +15431,8 @@
         </p:blipFill>
         <p:spPr>
           <a:xfrm>
-            <a:off x="179512" y="1916832"/>
-            <a:ext cx="8708377" cy="4752528"/>
+            <a:off x="213179" y="1844824"/>
+            <a:ext cx="8723143" cy="4608512"/>
           </a:xfrm>
         </p:spPr>
       </p:pic>
@@ -16381,7 +15455,7 @@
           <a:p>
             <a:r>
               <a:rPr lang="bg-BG" dirty="0" smtClean="0"/>
-              <a:t>Система за управление на проекта</a:t>
+              <a:t>График за изпълнение на проекта</a:t>
             </a:r>
             <a:endParaRPr lang="bg-BG" dirty="0"/>
           </a:p>
@@ -16390,7 +15464,7 @@
     </p:spTree>
     <p:extLst>
       <p:ext uri="{BB962C8B-B14F-4D97-AF65-F5344CB8AC3E}">
-        <p14:creationId xmlns:p14="http://schemas.microsoft.com/office/powerpoint/2010/main" val="1603805531"/>
+        <p14:creationId xmlns:p14="http://schemas.microsoft.com/office/powerpoint/2010/main" val="1262712295"/>
       </p:ext>
     </p:extLst>
   </p:cSld>
@@ -16436,47 +15510,43 @@
         </p:nvSpPr>
         <p:spPr/>
         <p:txBody>
-          <a:bodyPr>
-            <a:normAutofit/>
-          </a:bodyPr>
+          <a:bodyPr/>
           <a:lstStyle/>
           <a:p>
-            <a:pPr>
-              <a:buFont typeface="Arial" panose="020B0604020202020204" pitchFamily="34" charset="0"/>
-              <a:buChar char="•"/>
+            <a:pPr marL="0" indent="0">
+              <a:buNone/>
             </a:pPr>
             <a:r>
-              <a:rPr lang="bg-BG" sz="2800" dirty="0"/>
-              <a:t>Нашият екип не успя да се сблъска с трудности при използването му, но успяхме да открием някои слаби страни на тази система за управление на проекти:</a:t>
-            </a:r>
-          </a:p>
-          <a:p>
-            <a:pPr marL="759143" lvl="1" indent="-457200">
-              <a:buFont typeface="+mj-lt"/>
-              <a:buAutoNum type="arabicPeriod"/>
-            </a:pPr>
-            <a:r>
-              <a:rPr lang="bg-BG" sz="2400" dirty="0" smtClean="0"/>
-              <a:t>Не </a:t>
-            </a:r>
-            <a:r>
-              <a:rPr lang="bg-BG" sz="2400" dirty="0"/>
-              <a:t>е подходяща система за управление на сложни проекти.</a:t>
-            </a:r>
-            <a:endParaRPr lang="en-US" sz="2400" dirty="0"/>
-          </a:p>
-          <a:p>
-            <a:pPr marL="759143" lvl="1" indent="-457200">
-              <a:buFont typeface="+mj-lt"/>
-              <a:buAutoNum type="arabicPeriod"/>
-            </a:pPr>
-            <a:r>
-              <a:rPr lang="bg-BG" sz="2400" dirty="0"/>
-              <a:t>Няма възможност да се видят задачите, подредени по потребител или краен срок.</a:t>
-            </a:r>
-            <a:endParaRPr lang="en-US" sz="2400" dirty="0"/>
-          </a:p>
-          <a:p>
+              <a:rPr lang="bg-BG" dirty="0" smtClean="0"/>
+              <a:t>Защо избрахме </a:t>
+            </a:r>
+            <a:r>
+              <a:rPr lang="en-US" dirty="0" err="1" smtClean="0"/>
+              <a:t>Git</a:t>
+            </a:r>
+            <a:r>
+              <a:rPr lang="en-US" dirty="0" smtClean="0"/>
+              <a:t>?</a:t>
+            </a:r>
+            <a:endParaRPr lang="bg-BG" dirty="0" smtClean="0"/>
+          </a:p>
+          <a:p>
+            <a:r>
+              <a:rPr lang="bg-BG" dirty="0" smtClean="0"/>
+              <a:t>Ефективна и бърза </a:t>
+            </a:r>
+          </a:p>
+          <a:p>
+            <a:r>
+              <a:rPr lang="bg-BG" dirty="0" smtClean="0"/>
+              <a:t>Опростен и лесен за работа дизайн</a:t>
+            </a:r>
+          </a:p>
+          <a:p>
+            <a:r>
+              <a:rPr lang="bg-BG" dirty="0" smtClean="0"/>
+              <a:t>Напълно разпределена работа</a:t>
+            </a:r>
             <a:endParaRPr lang="bg-BG" dirty="0"/>
           </a:p>
         </p:txBody>
@@ -16500,11 +15570,7 @@
           <a:p>
             <a:r>
               <a:rPr lang="bg-BG" dirty="0" smtClean="0"/>
-              <a:t>Трудности при използването на </a:t>
-            </a:r>
-            <a:r>
-              <a:rPr lang="en-US" dirty="0" smtClean="0"/>
-              <a:t>Trello</a:t>
+              <a:t>Използване на системата за контрол на версиите</a:t>
             </a:r>
             <a:endParaRPr lang="bg-BG" dirty="0"/>
           </a:p>
@@ -16513,7 +15579,7 @@
     </p:spTree>
     <p:extLst>
       <p:ext uri="{BB962C8B-B14F-4D97-AF65-F5344CB8AC3E}">
-        <p14:creationId xmlns:p14="http://schemas.microsoft.com/office/powerpoint/2010/main" val="2879157791"/>
+        <p14:creationId xmlns:p14="http://schemas.microsoft.com/office/powerpoint/2010/main" val="969641209"/>
       </p:ext>
     </p:extLst>
   </p:cSld>
@@ -16547,59 +15613,35 @@
           <a:chExt cx="0" cy="0"/>
         </a:xfrm>
       </p:grpSpPr>
-      <p:sp>
-        <p:nvSpPr>
-          <p:cNvPr id="3" name="Контейнер за съдържание 2"/>
-          <p:cNvSpPr>
-            <a:spLocks noGrp="1"/>
-          </p:cNvSpPr>
+      <p:pic>
+        <p:nvPicPr>
+          <p:cNvPr id="4" name="Контейнер за съдържание 3"/>
+          <p:cNvPicPr>
+            <a:picLocks noGrp="1" noChangeAspect="1"/>
+          </p:cNvPicPr>
           <p:nvPr>
             <p:ph idx="1"/>
           </p:nvPr>
-        </p:nvSpPr>
-        <p:spPr/>
-        <p:txBody>
-          <a:bodyPr/>
-          <a:lstStyle/>
-          <a:p>
-            <a:pPr marL="0" indent="0">
-              <a:buNone/>
-            </a:pPr>
-            <a:r>
-              <a:rPr lang="bg-BG" dirty="0" smtClean="0"/>
-              <a:t>Защо избрахме </a:t>
-            </a:r>
-            <a:r>
-              <a:rPr lang="en-US" dirty="0" err="1" smtClean="0"/>
-              <a:t>Git</a:t>
-            </a:r>
-            <a:r>
-              <a:rPr lang="en-US" dirty="0" smtClean="0"/>
-              <a:t>?</a:t>
-            </a:r>
-            <a:endParaRPr lang="bg-BG" dirty="0" smtClean="0"/>
-          </a:p>
-          <a:p>
-            <a:r>
-              <a:rPr lang="bg-BG" dirty="0" smtClean="0"/>
-              <a:t>Ефективна и бърза </a:t>
-            </a:r>
-          </a:p>
-          <a:p>
-            <a:r>
-              <a:rPr lang="bg-BG" dirty="0" smtClean="0"/>
-              <a:t>Опростен и лесен за работа дизайн</a:t>
-            </a:r>
-          </a:p>
-          <a:p>
-            <a:r>
-              <a:rPr lang="bg-BG" dirty="0" smtClean="0"/>
-              <a:t>Напълно разпределена работа</a:t>
-            </a:r>
-            <a:endParaRPr lang="bg-BG" dirty="0"/>
-          </a:p>
-        </p:txBody>
-      </p:sp>
+        </p:nvPicPr>
+        <p:blipFill>
+          <a:blip r:embed="rId2">
+            <a:extLst>
+              <a:ext uri="{28A0092B-C50C-407E-A947-70E740481C1C}">
+                <a14:useLocalDpi xmlns:a14="http://schemas.microsoft.com/office/drawing/2010/main" val="0"/>
+              </a:ext>
+            </a:extLst>
+          </a:blip>
+          <a:stretch>
+            <a:fillRect/>
+          </a:stretch>
+        </p:blipFill>
+        <p:spPr>
+          <a:xfrm>
+            <a:off x="251520" y="1916832"/>
+            <a:ext cx="8640960" cy="4608512"/>
+          </a:xfrm>
+        </p:spPr>
+      </p:pic>
       <p:sp>
         <p:nvSpPr>
           <p:cNvPr id="2" name="Заглавие 1"/>
@@ -16612,14 +15654,16 @@
         </p:nvSpPr>
         <p:spPr/>
         <p:txBody>
-          <a:bodyPr>
-            <a:normAutofit fontScale="90000"/>
-          </a:bodyPr>
+          <a:bodyPr/>
           <a:lstStyle/>
           <a:p>
             <a:r>
               <a:rPr lang="bg-BG" dirty="0" smtClean="0"/>
-              <a:t>Използване на системата за контрол на версиите</a:t>
+              <a:t>Работа с </a:t>
+            </a:r>
+            <a:r>
+              <a:rPr lang="en-US" dirty="0" err="1" smtClean="0"/>
+              <a:t>Git</a:t>
             </a:r>
             <a:endParaRPr lang="bg-BG" dirty="0"/>
           </a:p>
@@ -16628,7 +15672,7 @@
     </p:spTree>
     <p:extLst>
       <p:ext uri="{BB962C8B-B14F-4D97-AF65-F5344CB8AC3E}">
-        <p14:creationId xmlns:p14="http://schemas.microsoft.com/office/powerpoint/2010/main" val="969641209"/>
+        <p14:creationId xmlns:p14="http://schemas.microsoft.com/office/powerpoint/2010/main" val="1399367958"/>
       </p:ext>
     </p:extLst>
   </p:cSld>
@@ -16664,7 +15708,7 @@
       </p:grpSpPr>
       <p:sp>
         <p:nvSpPr>
-          <p:cNvPr id="3" name="Контейнер за съдържание 2"/>
+          <p:cNvPr id="2" name="Content Placeholder 1"/>
           <p:cNvSpPr>
             <a:spLocks noGrp="1"/>
           </p:cNvSpPr>
@@ -16677,13 +15721,38 @@
           <a:bodyPr/>
           <a:lstStyle/>
           <a:p>
-            <a:endParaRPr lang="bg-BG"/>
+            <a:r>
+              <a:rPr lang="bg-BG" dirty="0"/>
+              <a:t>Добавяне на участници, които могат да извършват </a:t>
+            </a:r>
+            <a:r>
+              <a:rPr lang="en-US" dirty="0"/>
+              <a:t>push</a:t>
+            </a:r>
+            <a:r>
+              <a:rPr lang="bg-BG" dirty="0"/>
+              <a:t> операции към репозиторито</a:t>
+            </a:r>
+          </a:p>
+          <a:p>
+            <a:r>
+              <a:rPr lang="bg-BG" dirty="0"/>
+              <a:t>Трудна първоначална интеграция на системата с </a:t>
+            </a:r>
+            <a:r>
+              <a:rPr lang="en-US" dirty="0"/>
+              <a:t>Visual Studio</a:t>
+            </a:r>
+            <a:endParaRPr lang="bg-BG" dirty="0"/>
+          </a:p>
+          <a:p>
+            <a:endParaRPr lang="bg-BG" dirty="0"/>
           </a:p>
         </p:txBody>
       </p:sp>
       <p:sp>
         <p:nvSpPr>
-          <p:cNvPr id="2" name="Заглавие 1"/>
+          <p:cNvPr id="3" name="Title 2"/>
           <p:cNvSpPr>
             <a:spLocks noGrp="1"/>
           </p:cNvSpPr>
@@ -16693,15 +15762,17 @@
         </p:nvSpPr>
         <p:spPr/>
         <p:txBody>
-          <a:bodyPr/>
+          <a:bodyPr>
+            <a:normAutofit fontScale="90000"/>
+          </a:bodyPr>
           <a:lstStyle/>
           <a:p>
             <a:r>
-              <a:rPr lang="bg-BG" dirty="0" smtClean="0"/>
-              <a:t>Работа с </a:t>
-            </a:r>
-            <a:r>
-              <a:rPr lang="en-US" dirty="0" err="1" smtClean="0"/>
+              <a:rPr lang="bg-BG" dirty="0"/>
+              <a:t>Трудности при използването на </a:t>
+            </a:r>
+            <a:r>
+              <a:rPr lang="en-US" dirty="0" err="1"/>
               <a:t>Git</a:t>
             </a:r>
             <a:endParaRPr lang="bg-BG" dirty="0"/>
@@ -16711,25 +15782,18 @@
     </p:spTree>
     <p:extLst>
       <p:ext uri="{BB962C8B-B14F-4D97-AF65-F5344CB8AC3E}">
-        <p14:creationId xmlns:p14="http://schemas.microsoft.com/office/powerpoint/2010/main" val="1399367958"/>
+        <p14:creationId xmlns:p14="http://schemas.microsoft.com/office/powerpoint/2010/main" val="2875238705"/>
       </p:ext>
     </p:extLst>
   </p:cSld>
   <p:clrMapOvr>
     <a:masterClrMapping/>
   </p:clrMapOvr>
-  <p:timing>
-    <p:tnLst>
-      <p:par>
-        <p:cTn id="1" dur="indefinite" restart="never" nodeType="tmRoot"/>
-      </p:par>
-    </p:tnLst>
-  </p:timing>
 </p:sld>
 </file>
 
 <file path=ppt/slides/slide14.xml><?xml version="1.0" encoding="utf-8"?>
-<p:sld xmlns:a="http://schemas.openxmlformats.org/drawingml/2006/main" xmlns:r="http://schemas.openxmlformats.org/officeDocument/2006/relationships" xmlns:p="http://schemas.openxmlformats.org/presentationml/2006/main" show="0">
+<p:sld xmlns:a="http://schemas.openxmlformats.org/drawingml/2006/main" xmlns:r="http://schemas.openxmlformats.org/officeDocument/2006/relationships" xmlns:p="http://schemas.openxmlformats.org/presentationml/2006/main">
   <p:cSld>
     <p:spTree>
       <p:nvGrpSpPr>
@@ -16757,40 +15821,73 @@
         </p:nvSpPr>
         <p:spPr/>
         <p:txBody>
-          <a:bodyPr/>
+          <a:bodyPr>
+            <a:normAutofit fontScale="85000" lnSpcReduction="20000"/>
+          </a:bodyPr>
           <a:lstStyle/>
           <a:p>
+            <a:pPr marL="0" indent="0">
+              <a:buNone/>
+            </a:pPr>
             <a:r>
               <a:rPr lang="bg-BG" dirty="0" smtClean="0"/>
-              <a:t>Добавяне на участници, които могат да извършват </a:t>
+              <a:t>Екстремно програмиране (</a:t>
             </a:r>
             <a:r>
               <a:rPr lang="en-US" dirty="0" smtClean="0"/>
-              <a:t>push</a:t>
-            </a:r>
-            <a:r>
-              <a:rPr lang="bg-BG" dirty="0" smtClean="0"/>
-              <a:t> операции към </a:t>
-            </a:r>
-            <a:r>
-              <a:rPr lang="bg-BG" dirty="0" err="1" smtClean="0"/>
-              <a:t>репозиторито</a:t>
-            </a:r>
-            <a:endParaRPr lang="bg-BG" dirty="0" smtClean="0"/>
-          </a:p>
-          <a:p>
-            <a:r>
-              <a:rPr lang="bg-BG" dirty="0" smtClean="0"/>
-              <a:t>Трудна първоначална интеграция на системата </a:t>
-            </a:r>
-            <a:r>
-              <a:rPr lang="bg-BG" dirty="0" smtClean="0"/>
-              <a:t>с </a:t>
-            </a:r>
-            <a:r>
-              <a:rPr lang="en-US" dirty="0" smtClean="0"/>
-              <a:t>Visual Studio</a:t>
-            </a:r>
+              <a:t>Extreme Programming)</a:t>
+            </a:r>
+          </a:p>
+          <a:p>
+            <a:r>
+              <a:rPr lang="bg-BG" dirty="0"/>
+              <a:t>Причините да изберем тази методология са, че тя пасва отлично на нашия проект и екип, тъй като имахме възможност:</a:t>
+            </a:r>
+          </a:p>
+          <a:p>
+            <a:pPr marL="793432" lvl="1" indent="-514350">
+              <a:buFont typeface="+mj-lt"/>
+              <a:buAutoNum type="arabicPeriod"/>
+            </a:pPr>
+            <a:r>
+              <a:rPr lang="bg-BG" dirty="0"/>
+              <a:t>Да работим заедно в екип, за малки и средни колективи.</a:t>
+            </a:r>
+          </a:p>
+          <a:p>
+            <a:pPr marL="793432" lvl="1" indent="-514350">
+              <a:buFont typeface="+mj-lt"/>
+              <a:buAutoNum type="arabicPeriod"/>
+            </a:pPr>
+            <a:r>
+              <a:rPr lang="bg-BG" dirty="0"/>
+              <a:t>Изпълнявахме етапите стъпка по стъпка, използвайки кратки цикли за всеки етап, като резултата беше скоростното получаване на конкретен резултат.</a:t>
+            </a:r>
+          </a:p>
+          <a:p>
+            <a:pPr marL="793432" lvl="1" indent="-514350">
+              <a:buFont typeface="+mj-lt"/>
+              <a:buAutoNum type="arabicPeriod"/>
+            </a:pPr>
+            <a:r>
+              <a:rPr lang="bg-BG" dirty="0"/>
+              <a:t>Тествахме всеки готов етап от разработката с цел да избегнем бъдещи проблеми.</a:t>
+            </a:r>
+          </a:p>
+          <a:p>
+            <a:pPr marL="793432" lvl="1" indent="-514350">
+              <a:buFont typeface="+mj-lt"/>
+              <a:buAutoNum type="arabicPeriod"/>
+            </a:pPr>
+            <a:r>
+              <a:rPr lang="bg-BG" dirty="0"/>
+              <a:t>Вземахме важните решенията и постигахме разбирателство относно разработването чрез сътрудничество и интензивна комуникация, наложени като стандарт за тази методология.</a:t>
+            </a:r>
+          </a:p>
+          <a:p>
+            <a:pPr marL="0" indent="0">
+              <a:buNone/>
+            </a:pPr>
             <a:endParaRPr lang="bg-BG" dirty="0"/>
           </a:p>
         </p:txBody>
@@ -16807,18 +15904,12 @@
         </p:nvSpPr>
         <p:spPr/>
         <p:txBody>
-          <a:bodyPr>
-            <a:normAutofit fontScale="90000"/>
-          </a:bodyPr>
+          <a:bodyPr/>
           <a:lstStyle/>
           <a:p>
             <a:r>
               <a:rPr lang="bg-BG" dirty="0" smtClean="0"/>
-              <a:t>Трудности при използването на </a:t>
-            </a:r>
-            <a:r>
-              <a:rPr lang="en-US" dirty="0" err="1" smtClean="0"/>
-              <a:t>Git</a:t>
+              <a:t>Методология на разработване</a:t>
             </a:r>
             <a:endParaRPr lang="bg-BG" dirty="0"/>
           </a:p>
@@ -16827,21 +15918,13 @@
     </p:spTree>
     <p:extLst>
       <p:ext uri="{BB962C8B-B14F-4D97-AF65-F5344CB8AC3E}">
-        <p14:creationId xmlns:p14="http://schemas.microsoft.com/office/powerpoint/2010/main" val="3307064625"/>
+        <p14:creationId xmlns:p14="http://schemas.microsoft.com/office/powerpoint/2010/main" val="696184909"/>
       </p:ext>
     </p:extLst>
   </p:cSld>
   <p:clrMapOvr>
     <a:masterClrMapping/>
   </p:clrMapOvr>
-  <mc:AlternateContent xmlns:mc="http://schemas.openxmlformats.org/markup-compatibility/2006" xmlns:p14="http://schemas.microsoft.com/office/powerpoint/2010/main">
-    <mc:Choice Requires="p14">
-      <p:transition spd="slow" p14:dur="2000"/>
-    </mc:Choice>
-    <mc:Fallback xmlns="">
-      <p:transition spd="slow"/>
-    </mc:Fallback>
-  </mc:AlternateContent>
   <p:timing>
     <p:tnLst>
       <p:par>
@@ -16882,73 +15965,35 @@
         <p:spPr/>
         <p:txBody>
           <a:bodyPr>
-            <a:normAutofit fontScale="85000" lnSpcReduction="20000"/>
+            <a:normAutofit fontScale="77500" lnSpcReduction="20000"/>
           </a:bodyPr>
           <a:lstStyle/>
           <a:p>
-            <a:pPr marL="0" indent="0">
-              <a:buNone/>
-            </a:pPr>
-            <a:r>
-              <a:rPr lang="bg-BG" dirty="0" smtClean="0"/>
-              <a:t>Екстремно програмиране (</a:t>
-            </a:r>
-            <a:r>
-              <a:rPr lang="en-US" dirty="0" smtClean="0"/>
-              <a:t>Extreme Programming)</a:t>
-            </a:r>
-          </a:p>
-          <a:p>
             <a:r>
               <a:rPr lang="bg-BG" dirty="0"/>
-              <a:t>Причините да изберем тази методология са, че тя пасва отлично на нашия проект и екип, тъй като имахме възможност:</a:t>
-            </a:r>
-          </a:p>
-          <a:p>
-            <a:pPr marL="793432" lvl="1" indent="-514350">
-              <a:buFont typeface="+mj-lt"/>
-              <a:buAutoNum type="arabicPeriod"/>
-            </a:pPr>
+              <a:t>Срещнахме трудности в началните етапи свързани с анализ на изискванията, проектиране на продукта и изработването на техническото задание, заради което се получи и забавяне, тъй като тази методология налага </a:t>
+            </a:r>
+            <a:r>
+              <a:rPr lang="bg-BG" dirty="0" err="1"/>
+              <a:t>инкрементиращи</a:t>
+            </a:r>
             <a:r>
               <a:rPr lang="bg-BG" dirty="0"/>
-              <a:t>Да работим заедно в екип, за малки и средни колективи.</a:t>
-            </a:r>
-          </a:p>
-          <a:p>
-            <a:pPr marL="793432" lvl="1" indent="-514350">
-              <a:buFont typeface="+mj-lt"/>
-              <a:buAutoNum type="arabicPeriod"/>
-            </a:pPr>
+              <a:t> се стъпки.</a:t>
+            </a:r>
+          </a:p>
+          <a:p>
             <a:r>
               <a:rPr lang="bg-BG" dirty="0"/>
-              <a:t>Изпълнявахме етапите стъпка по стъпка, използвайки кратки цикли за всеки етап, като резултата беше скоростното получаване на конкретен резултат.</a:t>
-            </a:r>
-          </a:p>
-          <a:p>
-            <a:pPr marL="793432" lvl="1" indent="-514350">
-              <a:buFont typeface="+mj-lt"/>
-              <a:buAutoNum type="arabicPeriod"/>
-            </a:pPr>
+              <a:t>При проектирането на продукта срещнахме проблем с желаната от възложителя архитектура за разработване, защото ни трябваше повече време да се запознаем с нея и спецификите й.</a:t>
+            </a:r>
+          </a:p>
+          <a:p>
             <a:r>
               <a:rPr lang="bg-BG" dirty="0"/>
-              <a:t>Тествахме всеки готов етап от разработката с цел да избегнем бъдещи проблеми.</a:t>
-            </a:r>
-          </a:p>
-          <a:p>
-            <a:pPr marL="793432" lvl="1" indent="-514350">
-              <a:buFont typeface="+mj-lt"/>
-              <a:buAutoNum type="arabicPeriod"/>
-            </a:pPr>
-            <a:r>
-              <a:rPr lang="bg-BG" dirty="0"/>
-              <a:t>Вземахме важните решенията и постигахме разбирателство относно разработването чрез сътрудничество и интензивна комуникация, наложени като стандарт за тази методология.</a:t>
-            </a:r>
-          </a:p>
-          <a:p>
-            <a:pPr marL="0" indent="0">
-              <a:buNone/>
-            </a:pPr>
-            <a:endParaRPr lang="bg-BG" dirty="0"/>
+              <a:t>Забавянето се отрази и на следващия етап на създаване на техническото задание, но успяхме да наваксаме с работата и започнахме разработването навреме, което от друга страна ни отне по-малко време от проектирането, заради добре положените основи на проекта в началото. </a:t>
+            </a:r>
+            <a:endParaRPr lang="en-US" dirty="0"/>
           </a:p>
         </p:txBody>
       </p:sp>
@@ -16969,7 +16014,7 @@
           <a:p>
             <a:r>
               <a:rPr lang="bg-BG" dirty="0" smtClean="0"/>
-              <a:t>Методология на разработване</a:t>
+              <a:t>Трудности при разработването</a:t>
             </a:r>
             <a:endParaRPr lang="bg-BG" dirty="0"/>
           </a:p>
@@ -16978,7 +16023,7 @@
     </p:spTree>
     <p:extLst>
       <p:ext uri="{BB962C8B-B14F-4D97-AF65-F5344CB8AC3E}">
-        <p14:creationId xmlns:p14="http://schemas.microsoft.com/office/powerpoint/2010/main" val="696184909"/>
+        <p14:creationId xmlns:p14="http://schemas.microsoft.com/office/powerpoint/2010/main" val="2189939184"/>
       </p:ext>
     </p:extLst>
   </p:cSld>
@@ -17199,9 +16244,32 @@
           <a:chExt cx="0" cy="0"/>
         </a:xfrm>
       </p:grpSpPr>
+      <p:sp>
+        <p:nvSpPr>
+          <p:cNvPr id="2" name="Заглавие 1"/>
+          <p:cNvSpPr>
+            <a:spLocks noGrp="1"/>
+          </p:cNvSpPr>
+          <p:nvPr>
+            <p:ph type="title"/>
+          </p:nvPr>
+        </p:nvSpPr>
+        <p:spPr/>
+        <p:txBody>
+          <a:bodyPr/>
+          <a:lstStyle/>
+          <a:p>
+            <a:r>
+              <a:rPr lang="bg-BG" dirty="0" smtClean="0"/>
+              <a:t>Задачи</a:t>
+            </a:r>
+            <a:endParaRPr lang="bg-BG" dirty="0"/>
+          </a:p>
+        </p:txBody>
+      </p:sp>
       <p:pic>
         <p:nvPicPr>
-          <p:cNvPr id="4" name="Контейнер за съдържание 3"/>
+          <p:cNvPr id="5" name="Контейнер за съдържание 4"/>
           <p:cNvPicPr>
             <a:picLocks noGrp="1" noChangeAspect="1"/>
           </p:cNvPicPr>
@@ -17223,44 +16291,15 @@
         </p:blipFill>
         <p:spPr>
           <a:xfrm>
-            <a:off x="213179" y="1844824"/>
-            <a:ext cx="8723143" cy="4608512"/>
+            <a:off x="251345" y="1844824"/>
+            <a:ext cx="8713143" cy="4608512"/>
           </a:xfrm>
         </p:spPr>
       </p:pic>
-      <p:sp>
-        <p:nvSpPr>
-          <p:cNvPr id="2" name="Заглавие 1"/>
-          <p:cNvSpPr>
-            <a:spLocks noGrp="1"/>
-          </p:cNvSpPr>
-          <p:nvPr>
-            <p:ph type="title"/>
-          </p:nvPr>
-        </p:nvSpPr>
-        <p:spPr/>
-        <p:txBody>
-          <a:bodyPr>
-            <a:normAutofit fontScale="90000"/>
-          </a:bodyPr>
-          <a:lstStyle/>
-          <a:p>
-            <a:r>
-              <a:rPr lang="bg-BG" dirty="0" smtClean="0"/>
-              <a:t>График за изпълнение на </a:t>
-            </a:r>
-            <a:r>
-              <a:rPr lang="bg-BG" dirty="0" err="1" smtClean="0"/>
-              <a:t>приекта</a:t>
-            </a:r>
-            <a:endParaRPr lang="bg-BG" dirty="0"/>
-          </a:p>
-        </p:txBody>
-      </p:sp>
     </p:spTree>
     <p:extLst>
       <p:ext uri="{BB962C8B-B14F-4D97-AF65-F5344CB8AC3E}">
-        <p14:creationId xmlns:p14="http://schemas.microsoft.com/office/powerpoint/2010/main" val="1262712295"/>
+        <p14:creationId xmlns:p14="http://schemas.microsoft.com/office/powerpoint/2010/main" val="1349253940"/>
       </p:ext>
     </p:extLst>
   </p:cSld>
@@ -17319,31 +16358,35 @@
           </a:p>
         </p:txBody>
       </p:sp>
-      <p:graphicFrame>
-        <p:nvGraphicFramePr>
-          <p:cNvPr id="4" name="Content Placeholder 6"/>
-          <p:cNvGraphicFramePr>
-            <a:graphicFrameLocks noGrp="1"/>
-          </p:cNvGraphicFramePr>
+      <p:pic>
+        <p:nvPicPr>
+          <p:cNvPr id="5" name="Контейнер за съдържание 4"/>
+          <p:cNvPicPr>
+            <a:picLocks noGrp="1" noChangeAspect="1"/>
+          </p:cNvPicPr>
           <p:nvPr>
             <p:ph idx="1"/>
-            <p:extLst>
-              <p:ext uri="{D42A27DB-BD31-4B8C-83A1-F6EECF244321}">
-                <p14:modId xmlns:p14="http://schemas.microsoft.com/office/powerpoint/2010/main" val="24101929"/>
-              </p:ext>
-            </p:extLst>
           </p:nvPr>
-        </p:nvGraphicFramePr>
-        <p:xfrm>
-          <a:off x="251520" y="2132856"/>
-          <a:ext cx="8640960" cy="4320480"/>
-        </p:xfrm>
-        <a:graphic>
-          <a:graphicData uri="http://schemas.openxmlformats.org/drawingml/2006/chart">
-            <c:chart xmlns:c="http://schemas.openxmlformats.org/drawingml/2006/chart" xmlns:r="http://schemas.openxmlformats.org/officeDocument/2006/relationships" r:id="rId2"/>
-          </a:graphicData>
-        </a:graphic>
-      </p:graphicFrame>
+        </p:nvPicPr>
+        <p:blipFill>
+          <a:blip r:embed="rId2">
+            <a:extLst>
+              <a:ext uri="{28A0092B-C50C-407E-A947-70E740481C1C}">
+                <a14:useLocalDpi xmlns:a14="http://schemas.microsoft.com/office/drawing/2010/main" val="0"/>
+              </a:ext>
+            </a:extLst>
+          </a:blip>
+          <a:stretch>
+            <a:fillRect/>
+          </a:stretch>
+        </p:blipFill>
+        <p:spPr>
+          <a:xfrm>
+            <a:off x="179512" y="1916832"/>
+            <a:ext cx="8784976" cy="4068678"/>
+          </a:xfrm>
+        </p:spPr>
+      </p:pic>
     </p:spTree>
     <p:extLst>
       <p:ext uri="{BB962C8B-B14F-4D97-AF65-F5344CB8AC3E}">
@@ -17540,6 +16583,16 @@
               <a:rPr lang="bg-BG" dirty="0" smtClean="0"/>
               <a:t>Жанр</a:t>
             </a:r>
+          </a:p>
+          <a:p>
+            <a:pPr marL="514350" indent="-514350">
+              <a:buFont typeface="+mj-lt"/>
+              <a:buAutoNum type="arabicPeriod"/>
+            </a:pPr>
+            <a:r>
+              <a:rPr lang="bg-BG" dirty="0" smtClean="0"/>
+              <a:t>Име</a:t>
+            </a:r>
             <a:endParaRPr lang="bg-BG" dirty="0"/>
           </a:p>
         </p:txBody>
@@ -17606,9 +16659,35 @@
           <a:chExt cx="0" cy="0"/>
         </a:xfrm>
       </p:grpSpPr>
+      <p:pic>
+        <p:nvPicPr>
+          <p:cNvPr id="4" name="Content Placeholder 3"/>
+          <p:cNvPicPr>
+            <a:picLocks noGrp="1" noChangeAspect="1"/>
+          </p:cNvPicPr>
+          <p:nvPr>
+            <p:ph idx="1"/>
+          </p:nvPr>
+        </p:nvPicPr>
+        <p:blipFill>
+          <a:blip r:embed="rId2"/>
+          <a:stretch>
+            <a:fillRect/>
+          </a:stretch>
+        </p:blipFill>
+        <p:spPr>
+          <a:xfrm>
+            <a:off x="1331640" y="2636912"/>
+            <a:ext cx="6908711" cy="3633267"/>
+          </a:xfrm>
+          <a:prstGeom prst="rect">
+            <a:avLst/>
+          </a:prstGeom>
+        </p:spPr>
+      </p:pic>
       <p:sp>
         <p:nvSpPr>
-          <p:cNvPr id="2" name="Заглавие 1"/>
+          <p:cNvPr id="3" name="Title 2"/>
           <p:cNvSpPr>
             <a:spLocks noGrp="1"/>
           </p:cNvSpPr>
@@ -17623,58 +16702,22 @@
           <a:p>
             <a:r>
               <a:rPr lang="bg-BG" dirty="0" smtClean="0"/>
-              <a:t>Задачи</a:t>
+              <a:t>Критичен път</a:t>
             </a:r>
             <a:endParaRPr lang="bg-BG" dirty="0"/>
           </a:p>
         </p:txBody>
       </p:sp>
-      <p:pic>
-        <p:nvPicPr>
-          <p:cNvPr id="5" name="Контейнер за съдържание 4"/>
-          <p:cNvPicPr>
-            <a:picLocks noGrp="1" noChangeAspect="1"/>
-          </p:cNvPicPr>
-          <p:nvPr>
-            <p:ph idx="1"/>
-          </p:nvPr>
-        </p:nvPicPr>
-        <p:blipFill>
-          <a:blip r:embed="rId2" cstate="print">
-            <a:extLst>
-              <a:ext uri="{28A0092B-C50C-407E-A947-70E740481C1C}">
-                <a14:useLocalDpi xmlns:a14="http://schemas.microsoft.com/office/drawing/2010/main" val="0"/>
-              </a:ext>
-            </a:extLst>
-          </a:blip>
-          <a:stretch>
-            <a:fillRect/>
-          </a:stretch>
-        </p:blipFill>
-        <p:spPr>
-          <a:xfrm>
-            <a:off x="251345" y="1844824"/>
-            <a:ext cx="8713143" cy="4608512"/>
-          </a:xfrm>
-        </p:spPr>
-      </p:pic>
     </p:spTree>
     <p:extLst>
       <p:ext uri="{BB962C8B-B14F-4D97-AF65-F5344CB8AC3E}">
-        <p14:creationId xmlns:p14="http://schemas.microsoft.com/office/powerpoint/2010/main" val="1349253940"/>
+        <p14:creationId xmlns:p14="http://schemas.microsoft.com/office/powerpoint/2010/main" val="1477751687"/>
       </p:ext>
     </p:extLst>
   </p:cSld>
   <p:clrMapOvr>
     <a:masterClrMapping/>
   </p:clrMapOvr>
-  <p:timing>
-    <p:tnLst>
-      <p:par>
-        <p:cTn id="1" dur="indefinite" restart="never" nodeType="tmRoot"/>
-      </p:par>
-    </p:tnLst>
-  </p:timing>
 </p:sld>
 </file>
 
@@ -17697,51 +16740,6 @@
       </p:grpSpPr>
       <p:sp>
         <p:nvSpPr>
-          <p:cNvPr id="3" name="Контейнер за съдържание 2"/>
-          <p:cNvSpPr>
-            <a:spLocks noGrp="1"/>
-          </p:cNvSpPr>
-          <p:nvPr>
-            <p:ph idx="1"/>
-          </p:nvPr>
-        </p:nvSpPr>
-        <p:spPr/>
-        <p:txBody>
-          <a:bodyPr>
-            <a:normAutofit fontScale="77500" lnSpcReduction="20000"/>
-          </a:bodyPr>
-          <a:lstStyle/>
-          <a:p>
-            <a:r>
-              <a:rPr lang="bg-BG" dirty="0"/>
-              <a:t>Срещнахме трудности в началните етапи свързани с анализ на изискванията, проектиране на продукта и изработването на техническото задание, заради което се получи и забавяне, тъй като тази методология налага </a:t>
-            </a:r>
-            <a:r>
-              <a:rPr lang="bg-BG" dirty="0" err="1"/>
-              <a:t>инкрементиращи</a:t>
-            </a:r>
-            <a:r>
-              <a:rPr lang="bg-BG" dirty="0"/>
-              <a:t> се стъпки.</a:t>
-            </a:r>
-          </a:p>
-          <a:p>
-            <a:r>
-              <a:rPr lang="bg-BG" dirty="0"/>
-              <a:t>При проектирането на продукта срещнахме проблем с желаната от възложителя архитектура за разработване, защото ни трябваше повече време да се запознаем с нея и спецификите й.</a:t>
-            </a:r>
-          </a:p>
-          <a:p>
-            <a:r>
-              <a:rPr lang="bg-BG" dirty="0"/>
-              <a:t>Забавянето се отрази и на следващия етап на създаване на техническото задание, но успяхме да наваксаме с работата и започнахме разработването навреме, което от друга страна ни отне по-малко време от проектирането, заради добре положените основи на проекта в началото. </a:t>
-            </a:r>
-            <a:endParaRPr lang="en-US" dirty="0"/>
-          </a:p>
-        </p:txBody>
-      </p:sp>
-      <p:sp>
-        <p:nvSpPr>
           <p:cNvPr id="2" name="Заглавие 1"/>
           <p:cNvSpPr>
             <a:spLocks noGrp="1"/>
@@ -17757,16 +16755,45 @@
           <a:p>
             <a:r>
               <a:rPr lang="bg-BG" dirty="0" smtClean="0"/>
-              <a:t>Трудности при разработването</a:t>
+              <a:t>Бюджет на проекта</a:t>
             </a:r>
             <a:endParaRPr lang="bg-BG" dirty="0"/>
           </a:p>
         </p:txBody>
       </p:sp>
+      <p:pic>
+        <p:nvPicPr>
+          <p:cNvPr id="5" name="Контейнер за съдържание 4"/>
+          <p:cNvPicPr>
+            <a:picLocks noGrp="1" noChangeAspect="1"/>
+          </p:cNvPicPr>
+          <p:nvPr>
+            <p:ph idx="1"/>
+          </p:nvPr>
+        </p:nvPicPr>
+        <p:blipFill>
+          <a:blip r:embed="rId2">
+            <a:extLst>
+              <a:ext uri="{28A0092B-C50C-407E-A947-70E740481C1C}">
+                <a14:useLocalDpi xmlns:a14="http://schemas.microsoft.com/office/drawing/2010/main" val="0"/>
+              </a:ext>
+            </a:extLst>
+          </a:blip>
+          <a:stretch>
+            <a:fillRect/>
+          </a:stretch>
+        </p:blipFill>
+        <p:spPr>
+          <a:xfrm>
+            <a:off x="179512" y="1988840"/>
+            <a:ext cx="8784976" cy="4154363"/>
+          </a:xfrm>
+        </p:spPr>
+      </p:pic>
     </p:spTree>
     <p:extLst>
       <p:ext uri="{BB962C8B-B14F-4D97-AF65-F5344CB8AC3E}">
-        <p14:creationId xmlns:p14="http://schemas.microsoft.com/office/powerpoint/2010/main" val="2189939184"/>
+        <p14:creationId xmlns:p14="http://schemas.microsoft.com/office/powerpoint/2010/main" val="389982874"/>
       </p:ext>
     </p:extLst>
   </p:cSld>
@@ -17802,6 +16829,232 @@
       </p:grpSpPr>
       <p:sp>
         <p:nvSpPr>
+          <p:cNvPr id="2" name="Заглавие 1"/>
+          <p:cNvSpPr>
+            <a:spLocks noGrp="1"/>
+          </p:cNvSpPr>
+          <p:nvPr>
+            <p:ph type="title"/>
+          </p:nvPr>
+        </p:nvSpPr>
+        <p:spPr/>
+        <p:txBody>
+          <a:bodyPr/>
+          <a:lstStyle/>
+          <a:p>
+            <a:r>
+              <a:rPr lang="bg-BG" dirty="0" smtClean="0"/>
+              <a:t>Бюджет на проекта</a:t>
+            </a:r>
+            <a:endParaRPr lang="bg-BG" dirty="0"/>
+          </a:p>
+        </p:txBody>
+      </p:sp>
+      <p:pic>
+        <p:nvPicPr>
+          <p:cNvPr id="4" name="Content Placeholder 8"/>
+          <p:cNvPicPr>
+            <a:picLocks noGrp="1" noChangeAspect="1"/>
+          </p:cNvPicPr>
+          <p:nvPr>
+            <p:ph idx="1"/>
+          </p:nvPr>
+        </p:nvPicPr>
+        <p:blipFill>
+          <a:blip r:embed="rId2">
+            <a:extLst>
+              <a:ext uri="{28A0092B-C50C-407E-A947-70E740481C1C}">
+                <a14:useLocalDpi xmlns:a14="http://schemas.microsoft.com/office/drawing/2010/main" val="0"/>
+              </a:ext>
+            </a:extLst>
+          </a:blip>
+          <a:stretch>
+            <a:fillRect/>
+          </a:stretch>
+        </p:blipFill>
+        <p:spPr>
+          <a:xfrm>
+            <a:off x="395536" y="2492896"/>
+            <a:ext cx="3384376" cy="3451225"/>
+          </a:xfrm>
+        </p:spPr>
+      </p:pic>
+      <p:sp>
+        <p:nvSpPr>
+          <p:cNvPr id="5" name="Текстово поле 4"/>
+          <p:cNvSpPr txBox="1"/>
+          <p:nvPr/>
+        </p:nvSpPr>
+        <p:spPr>
+          <a:xfrm>
+            <a:off x="4572000" y="2708920"/>
+            <a:ext cx="3672408" cy="369332"/>
+          </a:xfrm>
+          <a:prstGeom prst="rect">
+            <a:avLst/>
+          </a:prstGeom>
+          <a:noFill/>
+        </p:spPr>
+        <p:txBody>
+          <a:bodyPr wrap="square" rtlCol="0">
+            <a:spAutoFit/>
+          </a:bodyPr>
+          <a:lstStyle/>
+          <a:p>
+            <a:endParaRPr lang="bg-BG" dirty="0"/>
+          </a:p>
+        </p:txBody>
+      </p:sp>
+      <p:graphicFrame>
+        <p:nvGraphicFramePr>
+          <p:cNvPr id="6" name="Chart 11"/>
+          <p:cNvGraphicFramePr/>
+          <p:nvPr>
+            <p:extLst>
+              <p:ext uri="{D42A27DB-BD31-4B8C-83A1-F6EECF244321}">
+                <p14:modId xmlns:p14="http://schemas.microsoft.com/office/powerpoint/2010/main" val="1331682296"/>
+              </p:ext>
+            </p:extLst>
+          </p:nvPr>
+        </p:nvGraphicFramePr>
+        <p:xfrm>
+          <a:off x="4572000" y="2492896"/>
+          <a:ext cx="4248472" cy="3816424"/>
+        </p:xfrm>
+        <a:graphic>
+          <a:graphicData uri="http://schemas.openxmlformats.org/drawingml/2006/chart">
+            <c:chart xmlns:c="http://schemas.openxmlformats.org/drawingml/2006/chart" xmlns:r="http://schemas.openxmlformats.org/officeDocument/2006/relationships" r:id="rId3"/>
+          </a:graphicData>
+        </a:graphic>
+      </p:graphicFrame>
+    </p:spTree>
+    <p:extLst>
+      <p:ext uri="{BB962C8B-B14F-4D97-AF65-F5344CB8AC3E}">
+        <p14:creationId xmlns:p14="http://schemas.microsoft.com/office/powerpoint/2010/main" val="1189798111"/>
+      </p:ext>
+    </p:extLst>
+  </p:cSld>
+  <p:clrMapOvr>
+    <a:masterClrMapping/>
+  </p:clrMapOvr>
+  <p:timing>
+    <p:tnLst>
+      <p:par>
+        <p:cTn id="1" dur="indefinite" restart="never" nodeType="tmRoot"/>
+      </p:par>
+    </p:tnLst>
+  </p:timing>
+</p:sld>
+</file>
+
+<file path=ppt/slides/slide23.xml><?xml version="1.0" encoding="utf-8"?>
+<p:sld xmlns:a="http://schemas.openxmlformats.org/drawingml/2006/main" xmlns:r="http://schemas.openxmlformats.org/officeDocument/2006/relationships" xmlns:p="http://schemas.openxmlformats.org/presentationml/2006/main">
+  <p:cSld>
+    <p:spTree>
+      <p:nvGrpSpPr>
+        <p:cNvPr id="1" name=""/>
+        <p:cNvGrpSpPr/>
+        <p:nvPr/>
+      </p:nvGrpSpPr>
+      <p:grpSpPr>
+        <a:xfrm>
+          <a:off x="0" y="0"/>
+          <a:ext cx="0" cy="0"/>
+          <a:chOff x="0" y="0"/>
+          <a:chExt cx="0" cy="0"/>
+        </a:xfrm>
+      </p:grpSpPr>
+      <p:sp>
+        <p:nvSpPr>
+          <p:cNvPr id="2" name="Заглавие 1"/>
+          <p:cNvSpPr>
+            <a:spLocks noGrp="1"/>
+          </p:cNvSpPr>
+          <p:nvPr>
+            <p:ph type="title"/>
+          </p:nvPr>
+        </p:nvSpPr>
+        <p:spPr/>
+        <p:txBody>
+          <a:bodyPr/>
+          <a:lstStyle/>
+          <a:p>
+            <a:r>
+              <a:rPr lang="bg-BG" dirty="0" smtClean="0"/>
+              <a:t>Бюджет на проекта</a:t>
+            </a:r>
+            <a:endParaRPr lang="bg-BG" dirty="0"/>
+          </a:p>
+        </p:txBody>
+      </p:sp>
+      <p:pic>
+        <p:nvPicPr>
+          <p:cNvPr id="4" name="Content Placeholder 3"/>
+          <p:cNvPicPr>
+            <a:picLocks noGrp="1" noChangeAspect="1"/>
+          </p:cNvPicPr>
+          <p:nvPr>
+            <p:ph idx="1"/>
+          </p:nvPr>
+        </p:nvPicPr>
+        <p:blipFill>
+          <a:blip r:embed="rId2">
+            <a:extLst>
+              <a:ext uri="{28A0092B-C50C-407E-A947-70E740481C1C}">
+                <a14:useLocalDpi xmlns:a14="http://schemas.microsoft.com/office/drawing/2010/main" val="0"/>
+              </a:ext>
+            </a:extLst>
+          </a:blip>
+          <a:stretch>
+            <a:fillRect/>
+          </a:stretch>
+        </p:blipFill>
+        <p:spPr>
+          <a:xfrm>
+            <a:off x="251520" y="1899456"/>
+            <a:ext cx="8640959" cy="4553880"/>
+          </a:xfrm>
+        </p:spPr>
+      </p:pic>
+    </p:spTree>
+    <p:extLst>
+      <p:ext uri="{BB962C8B-B14F-4D97-AF65-F5344CB8AC3E}">
+        <p14:creationId xmlns:p14="http://schemas.microsoft.com/office/powerpoint/2010/main" val="1771137280"/>
+      </p:ext>
+    </p:extLst>
+  </p:cSld>
+  <p:clrMapOvr>
+    <a:masterClrMapping/>
+  </p:clrMapOvr>
+  <p:timing>
+    <p:tnLst>
+      <p:par>
+        <p:cTn id="1" dur="indefinite" restart="never" nodeType="tmRoot"/>
+      </p:par>
+    </p:tnLst>
+  </p:timing>
+</p:sld>
+</file>
+
+<file path=ppt/slides/slide24.xml><?xml version="1.0" encoding="utf-8"?>
+<p:sld xmlns:a="http://schemas.openxmlformats.org/drawingml/2006/main" xmlns:r="http://schemas.openxmlformats.org/officeDocument/2006/relationships" xmlns:p="http://schemas.openxmlformats.org/presentationml/2006/main">
+  <p:cSld>
+    <p:spTree>
+      <p:nvGrpSpPr>
+        <p:cNvPr id="1" name=""/>
+        <p:cNvGrpSpPr/>
+        <p:nvPr/>
+      </p:nvGrpSpPr>
+      <p:grpSpPr>
+        <a:xfrm>
+          <a:off x="0" y="0"/>
+          <a:ext cx="0" cy="0"/>
+          <a:chOff x="0" y="0"/>
+          <a:chExt cx="0" cy="0"/>
+        </a:xfrm>
+      </p:grpSpPr>
+      <p:sp>
+        <p:nvSpPr>
           <p:cNvPr id="3" name="Контейнер за съдържание 2"/>
           <p:cNvSpPr>
             <a:spLocks noGrp="1"/>
@@ -17915,7 +17168,280 @@
 </p:sld>
 </file>
 
-<file path=ppt/slides/slide23.xml><?xml version="1.0" encoding="utf-8"?>
+<file path=ppt/slides/slide25.xml><?xml version="1.0" encoding="utf-8"?>
+<p:sld xmlns:a="http://schemas.openxmlformats.org/drawingml/2006/main" xmlns:r="http://schemas.openxmlformats.org/officeDocument/2006/relationships" xmlns:p="http://schemas.openxmlformats.org/presentationml/2006/main">
+  <p:cSld>
+    <p:spTree>
+      <p:nvGrpSpPr>
+        <p:cNvPr id="1" name=""/>
+        <p:cNvGrpSpPr/>
+        <p:nvPr/>
+      </p:nvGrpSpPr>
+      <p:grpSpPr>
+        <a:xfrm>
+          <a:off x="0" y="0"/>
+          <a:ext cx="0" cy="0"/>
+          <a:chOff x="0" y="0"/>
+          <a:chExt cx="0" cy="0"/>
+        </a:xfrm>
+      </p:grpSpPr>
+      <p:sp>
+        <p:nvSpPr>
+          <p:cNvPr id="3" name="Контейнер за съдържание 2"/>
+          <p:cNvSpPr>
+            <a:spLocks noGrp="1"/>
+          </p:cNvSpPr>
+          <p:nvPr>
+            <p:ph idx="1"/>
+          </p:nvPr>
+        </p:nvSpPr>
+        <p:spPr/>
+        <p:txBody>
+          <a:bodyPr/>
+          <a:lstStyle/>
+          <a:p>
+            <a:r>
+              <a:rPr lang="en-US" dirty="0"/>
+              <a:t>Custom </a:t>
+            </a:r>
+            <a:r>
+              <a:rPr lang="bg-BG" dirty="0"/>
+              <a:t>анимации</a:t>
+            </a:r>
+          </a:p>
+          <a:p>
+            <a:r>
+              <a:rPr lang="bg-BG" dirty="0" smtClean="0"/>
+              <a:t>Създаване на вграден</a:t>
+            </a:r>
+            <a:r>
+              <a:rPr lang="en-US" dirty="0" smtClean="0"/>
+              <a:t> player</a:t>
+            </a:r>
+            <a:endParaRPr lang="en-US" dirty="0"/>
+          </a:p>
+          <a:p>
+            <a:r>
+              <a:rPr lang="bg-BG" dirty="0"/>
+              <a:t>Създаване на сървърна част </a:t>
+            </a:r>
+          </a:p>
+          <a:p>
+            <a:r>
+              <a:rPr lang="bg-BG" dirty="0"/>
+              <a:t>Превръщане в </a:t>
+            </a:r>
+            <a:r>
+              <a:rPr lang="bg-BG" dirty="0" err="1"/>
+              <a:t>мултипотребителско</a:t>
+            </a:r>
+            <a:r>
+              <a:rPr lang="bg-BG" dirty="0"/>
+              <a:t> </a:t>
+            </a:r>
+            <a:r>
+              <a:rPr lang="bg-BG" dirty="0" smtClean="0"/>
+              <a:t>приложение</a:t>
+            </a:r>
+            <a:endParaRPr lang="en-US" dirty="0"/>
+          </a:p>
+        </p:txBody>
+      </p:sp>
+      <p:sp>
+        <p:nvSpPr>
+          <p:cNvPr id="2" name="Заглавие 1"/>
+          <p:cNvSpPr>
+            <a:spLocks noGrp="1"/>
+          </p:cNvSpPr>
+          <p:nvPr>
+            <p:ph type="title"/>
+          </p:nvPr>
+        </p:nvSpPr>
+        <p:spPr/>
+        <p:txBody>
+          <a:bodyPr>
+            <a:normAutofit fontScale="90000"/>
+          </a:bodyPr>
+          <a:lstStyle/>
+          <a:p>
+            <a:r>
+              <a:rPr lang="bg-BG" dirty="0" smtClean="0"/>
+              <a:t>Възможност за бъдещата разработка</a:t>
+            </a:r>
+            <a:endParaRPr lang="bg-BG" dirty="0"/>
+          </a:p>
+        </p:txBody>
+      </p:sp>
+    </p:spTree>
+    <p:extLst>
+      <p:ext uri="{BB962C8B-B14F-4D97-AF65-F5344CB8AC3E}">
+        <p14:creationId xmlns:p14="http://schemas.microsoft.com/office/powerpoint/2010/main" val="2433760235"/>
+      </p:ext>
+    </p:extLst>
+  </p:cSld>
+  <p:clrMapOvr>
+    <a:masterClrMapping/>
+  </p:clrMapOvr>
+  <p:timing>
+    <p:tnLst>
+      <p:par>
+        <p:cTn id="1" dur="indefinite" restart="never" nodeType="tmRoot"/>
+      </p:par>
+    </p:tnLst>
+  </p:timing>
+</p:sld>
+</file>
+
+<file path=ppt/slides/slide3.xml><?xml version="1.0" encoding="utf-8"?>
+<p:sld xmlns:a="http://schemas.openxmlformats.org/drawingml/2006/main" xmlns:r="http://schemas.openxmlformats.org/officeDocument/2006/relationships" xmlns:p="http://schemas.openxmlformats.org/presentationml/2006/main">
+  <p:cSld>
+    <p:spTree>
+      <p:nvGrpSpPr>
+        <p:cNvPr id="1" name=""/>
+        <p:cNvGrpSpPr/>
+        <p:nvPr/>
+      </p:nvGrpSpPr>
+      <p:grpSpPr>
+        <a:xfrm>
+          <a:off x="0" y="0"/>
+          <a:ext cx="0" cy="0"/>
+          <a:chOff x="0" y="0"/>
+          <a:chExt cx="0" cy="0"/>
+        </a:xfrm>
+      </p:grpSpPr>
+      <p:sp>
+        <p:nvSpPr>
+          <p:cNvPr id="3" name="Контейнер за съдържание 2"/>
+          <p:cNvSpPr>
+            <a:spLocks noGrp="1"/>
+          </p:cNvSpPr>
+          <p:nvPr>
+            <p:ph idx="1"/>
+          </p:nvPr>
+        </p:nvSpPr>
+        <p:spPr/>
+        <p:txBody>
+          <a:bodyPr/>
+          <a:lstStyle/>
+          <a:p>
+            <a:r>
+              <a:rPr lang="bg-BG" dirty="0" smtClean="0"/>
+              <a:t>Търсене на песен (филтриране) :</a:t>
+            </a:r>
+          </a:p>
+          <a:p>
+            <a:pPr marL="514350" indent="-514350">
+              <a:buFont typeface="+mj-lt"/>
+              <a:buAutoNum type="arabicPeriod"/>
+            </a:pPr>
+            <a:r>
+              <a:rPr lang="bg-BG" dirty="0" smtClean="0"/>
+              <a:t>Времетраене</a:t>
+            </a:r>
+          </a:p>
+          <a:p>
+            <a:pPr marL="514350" indent="-514350">
+              <a:buFont typeface="+mj-lt"/>
+              <a:buAutoNum type="arabicPeriod"/>
+            </a:pPr>
+            <a:r>
+              <a:rPr lang="bg-BG" dirty="0" smtClean="0"/>
+              <a:t>Певец/група</a:t>
+            </a:r>
+          </a:p>
+          <a:p>
+            <a:pPr marL="514350" indent="-514350">
+              <a:buFont typeface="+mj-lt"/>
+              <a:buAutoNum type="arabicPeriod"/>
+            </a:pPr>
+            <a:r>
+              <a:rPr lang="bg-BG" dirty="0" smtClean="0"/>
+              <a:t>Година</a:t>
+            </a:r>
+          </a:p>
+          <a:p>
+            <a:pPr marL="514350" indent="-514350">
+              <a:buFont typeface="+mj-lt"/>
+              <a:buAutoNum type="arabicPeriod"/>
+            </a:pPr>
+            <a:r>
+              <a:rPr lang="bg-BG" dirty="0" smtClean="0"/>
+              <a:t>Жанр</a:t>
+            </a:r>
+          </a:p>
+          <a:p>
+            <a:pPr marL="514350" indent="-514350">
+              <a:buFont typeface="+mj-lt"/>
+              <a:buAutoNum type="arabicPeriod"/>
+            </a:pPr>
+            <a:r>
+              <a:rPr lang="bg-BG" dirty="0" smtClean="0"/>
+              <a:t>Име</a:t>
+            </a:r>
+          </a:p>
+          <a:p>
+            <a:pPr marL="0" indent="0">
+              <a:buNone/>
+            </a:pPr>
+            <a:endParaRPr lang="bg-BG" dirty="0" smtClean="0"/>
+          </a:p>
+          <a:p>
+            <a:endParaRPr lang="bg-BG" dirty="0" smtClean="0"/>
+          </a:p>
+          <a:p>
+            <a:pPr marL="0" indent="0">
+              <a:buNone/>
+            </a:pPr>
+            <a:endParaRPr lang="bg-BG" dirty="0"/>
+          </a:p>
+        </p:txBody>
+      </p:sp>
+      <p:sp>
+        <p:nvSpPr>
+          <p:cNvPr id="2" name="Заглавие 1"/>
+          <p:cNvSpPr>
+            <a:spLocks noGrp="1"/>
+          </p:cNvSpPr>
+          <p:nvPr>
+            <p:ph type="title"/>
+          </p:nvPr>
+        </p:nvSpPr>
+        <p:spPr/>
+        <p:txBody>
+          <a:bodyPr>
+            <a:normAutofit/>
+          </a:bodyPr>
+          <a:lstStyle/>
+          <a:p>
+            <a:r>
+              <a:rPr lang="bg-BG" dirty="0" smtClean="0"/>
+              <a:t>Описание на проекта</a:t>
+            </a:r>
+            <a:endParaRPr lang="bg-BG" dirty="0"/>
+          </a:p>
+        </p:txBody>
+      </p:sp>
+    </p:spTree>
+    <p:extLst>
+      <p:ext uri="{BB962C8B-B14F-4D97-AF65-F5344CB8AC3E}">
+        <p14:creationId xmlns:p14="http://schemas.microsoft.com/office/powerpoint/2010/main" val="3958557108"/>
+      </p:ext>
+    </p:extLst>
+  </p:cSld>
+  <p:clrMapOvr>
+    <a:masterClrMapping/>
+  </p:clrMapOvr>
+  <p:timing>
+    <p:tnLst>
+      <p:par>
+        <p:cTn id="1" dur="indefinite" restart="never" nodeType="tmRoot"/>
+      </p:par>
+    </p:tnLst>
+  </p:timing>
+</p:sld>
+</file>
+
+<file path=ppt/slides/slide4.xml><?xml version="1.0" encoding="utf-8"?>
 <p:sld xmlns:a="http://schemas.openxmlformats.org/drawingml/2006/main" xmlns:r="http://schemas.openxmlformats.org/officeDocument/2006/relationships" xmlns:p="http://schemas.openxmlformats.org/presentationml/2006/main">
   <p:cSld>
     <p:spTree>
@@ -18036,7 +17562,7 @@
 </p:sld>
 </file>
 
-<file path=ppt/slides/slide24.xml><?xml version="1.0" encoding="utf-8"?>
+<file path=ppt/slides/slide5.xml><?xml version="1.0" encoding="utf-8"?>
 <p:sld xmlns:a="http://schemas.openxmlformats.org/drawingml/2006/main" xmlns:r="http://schemas.openxmlformats.org/officeDocument/2006/relationships" xmlns:p="http://schemas.openxmlformats.org/presentationml/2006/main">
   <p:cSld>
     <p:spTree>
@@ -18065,53 +17591,30 @@
         </p:nvSpPr>
         <p:spPr/>
         <p:txBody>
-          <a:bodyPr/>
+          <a:bodyPr>
+            <a:normAutofit lnSpcReduction="10000"/>
+          </a:bodyPr>
           <a:lstStyle/>
           <a:p>
             <a:r>
-              <a:rPr lang="en-US" dirty="0"/>
-              <a:t>Custom </a:t>
-            </a:r>
+              <a:rPr lang="bg-BG" dirty="0" smtClean="0"/>
+              <a:t>Възможност за разработване на допълнителни модули:</a:t>
+            </a:r>
+          </a:p>
+          <a:p>
+            <a:pPr>
+              <a:buFont typeface="Wingdings" panose="05000000000000000000" pitchFamily="2" charset="2"/>
+              <a:buChar char="q"/>
+            </a:pPr>
             <a:r>
               <a:rPr lang="bg-BG" dirty="0"/>
-              <a:t>анимации</a:t>
-            </a:r>
-          </a:p>
-          <a:p>
+              <a:t>Със закупуване на софтуерния продукт възложителят получава право над програмния код, който при желание от негова страна, може да бъде доразработен от изпълнителя, включвайки нови функционалности и допълнителни модули или промяна на съществуващи такива – създаване на нови версии на програмния продукт</a:t>
+            </a:r>
             <a:r>
               <a:rPr lang="bg-BG" dirty="0" smtClean="0"/>
-              <a:t>Създаване на вграден</a:t>
-            </a:r>
-            <a:r>
-              <a:rPr lang="en-US" dirty="0" smtClean="0"/>
-              <a:t> player</a:t>
-            </a:r>
-            <a:endParaRPr lang="en-US" dirty="0"/>
-          </a:p>
-          <a:p>
-            <a:r>
-              <a:rPr lang="bg-BG" dirty="0"/>
-              <a:t>Създаване на сървърна част </a:t>
-            </a:r>
-          </a:p>
-          <a:p>
-            <a:r>
-              <a:rPr lang="bg-BG" dirty="0"/>
-              <a:t>Превръщане в </a:t>
-            </a:r>
-            <a:r>
-              <a:rPr lang="bg-BG" dirty="0" err="1"/>
-              <a:t>мултипотребителско</a:t>
-            </a:r>
-            <a:r>
-              <a:rPr lang="bg-BG" dirty="0"/>
-              <a:t> </a:t>
-            </a:r>
-            <a:r>
-              <a:rPr lang="bg-BG" dirty="0" smtClean="0"/>
-              <a:t>приложение</a:t>
-            </a:r>
-            <a:endParaRPr lang="en-US" dirty="0"/>
+              <a:t>.</a:t>
+            </a:r>
+            <a:endParaRPr lang="bg-BG" dirty="0"/>
           </a:p>
         </p:txBody>
       </p:sp>
@@ -18134,7 +17637,7 @@
           <a:p>
             <a:r>
               <a:rPr lang="bg-BG" dirty="0" smtClean="0"/>
-              <a:t>Възможност за бъдещата разработка</a:t>
+              <a:t>Възможност за разработване на допълнителни модули и поддръжка</a:t>
             </a:r>
             <a:endParaRPr lang="bg-BG" dirty="0"/>
           </a:p>
@@ -18143,362 +17646,7 @@
     </p:spTree>
     <p:extLst>
       <p:ext uri="{BB962C8B-B14F-4D97-AF65-F5344CB8AC3E}">
-        <p14:creationId xmlns:p14="http://schemas.microsoft.com/office/powerpoint/2010/main" val="2433760235"/>
-      </p:ext>
-    </p:extLst>
-  </p:cSld>
-  <p:clrMapOvr>
-    <a:masterClrMapping/>
-  </p:clrMapOvr>
-  <p:timing>
-    <p:tnLst>
-      <p:par>
-        <p:cTn id="1" dur="indefinite" restart="never" nodeType="tmRoot"/>
-      </p:par>
-    </p:tnLst>
-  </p:timing>
-</p:sld>
-</file>
-
-<file path=ppt/slides/slide3.xml><?xml version="1.0" encoding="utf-8"?>
-<p:sld xmlns:a="http://schemas.openxmlformats.org/drawingml/2006/main" xmlns:r="http://schemas.openxmlformats.org/officeDocument/2006/relationships" xmlns:p="http://schemas.openxmlformats.org/presentationml/2006/main">
-  <p:cSld>
-    <p:spTree>
-      <p:nvGrpSpPr>
-        <p:cNvPr id="1" name=""/>
-        <p:cNvGrpSpPr/>
-        <p:nvPr/>
-      </p:nvGrpSpPr>
-      <p:grpSpPr>
-        <a:xfrm>
-          <a:off x="0" y="0"/>
-          <a:ext cx="0" cy="0"/>
-          <a:chOff x="0" y="0"/>
-          <a:chExt cx="0" cy="0"/>
-        </a:xfrm>
-      </p:grpSpPr>
-      <p:sp>
-        <p:nvSpPr>
-          <p:cNvPr id="3" name="Контейнер за съдържание 2"/>
-          <p:cNvSpPr>
-            <a:spLocks noGrp="1"/>
-          </p:cNvSpPr>
-          <p:nvPr>
-            <p:ph idx="1"/>
-          </p:nvPr>
-        </p:nvSpPr>
-        <p:spPr/>
-        <p:txBody>
-          <a:bodyPr/>
-          <a:lstStyle/>
-          <a:p>
-            <a:r>
-              <a:rPr lang="bg-BG" dirty="0" smtClean="0"/>
-              <a:t>Търсене на песен (филтриране) :</a:t>
-            </a:r>
-          </a:p>
-          <a:p>
-            <a:pPr marL="514350" indent="-514350">
-              <a:buFont typeface="+mj-lt"/>
-              <a:buAutoNum type="arabicPeriod"/>
-            </a:pPr>
-            <a:r>
-              <a:rPr lang="bg-BG" dirty="0" smtClean="0"/>
-              <a:t>Времетраене</a:t>
-            </a:r>
-          </a:p>
-          <a:p>
-            <a:pPr marL="514350" indent="-514350">
-              <a:buFont typeface="+mj-lt"/>
-              <a:buAutoNum type="arabicPeriod"/>
-            </a:pPr>
-            <a:r>
-              <a:rPr lang="bg-BG" dirty="0" smtClean="0"/>
-              <a:t>Певец/група</a:t>
-            </a:r>
-          </a:p>
-          <a:p>
-            <a:pPr marL="514350" indent="-514350">
-              <a:buFont typeface="+mj-lt"/>
-              <a:buAutoNum type="arabicPeriod"/>
-            </a:pPr>
-            <a:r>
-              <a:rPr lang="bg-BG" dirty="0" smtClean="0"/>
-              <a:t>Година</a:t>
-            </a:r>
-          </a:p>
-          <a:p>
-            <a:pPr marL="514350" indent="-514350">
-              <a:buFont typeface="+mj-lt"/>
-              <a:buAutoNum type="arabicPeriod"/>
-            </a:pPr>
-            <a:r>
-              <a:rPr lang="bg-BG" dirty="0" smtClean="0"/>
-              <a:t>Жанр</a:t>
-            </a:r>
-          </a:p>
-          <a:p>
-            <a:endParaRPr lang="bg-BG" dirty="0" smtClean="0"/>
-          </a:p>
-          <a:p>
-            <a:pPr marL="0" indent="0">
-              <a:buNone/>
-            </a:pPr>
-            <a:endParaRPr lang="bg-BG" dirty="0"/>
-          </a:p>
-        </p:txBody>
-      </p:sp>
-      <p:sp>
-        <p:nvSpPr>
-          <p:cNvPr id="2" name="Заглавие 1"/>
-          <p:cNvSpPr>
-            <a:spLocks noGrp="1"/>
-          </p:cNvSpPr>
-          <p:nvPr>
-            <p:ph type="title"/>
-          </p:nvPr>
-        </p:nvSpPr>
-        <p:spPr/>
-        <p:txBody>
-          <a:bodyPr>
-            <a:normAutofit/>
-          </a:bodyPr>
-          <a:lstStyle/>
-          <a:p>
-            <a:r>
-              <a:rPr lang="bg-BG" dirty="0" smtClean="0"/>
-              <a:t>Описание на проекта</a:t>
-            </a:r>
-            <a:endParaRPr lang="bg-BG" dirty="0"/>
-          </a:p>
-        </p:txBody>
-      </p:sp>
-    </p:spTree>
-    <p:extLst>
-      <p:ext uri="{BB962C8B-B14F-4D97-AF65-F5344CB8AC3E}">
-        <p14:creationId xmlns:p14="http://schemas.microsoft.com/office/powerpoint/2010/main" val="3958557108"/>
-      </p:ext>
-    </p:extLst>
-  </p:cSld>
-  <p:clrMapOvr>
-    <a:masterClrMapping/>
-  </p:clrMapOvr>
-  <p:timing>
-    <p:tnLst>
-      <p:par>
-        <p:cTn id="1" dur="indefinite" restart="never" nodeType="tmRoot"/>
-      </p:par>
-    </p:tnLst>
-  </p:timing>
-</p:sld>
-</file>
-
-<file path=ppt/slides/slide4.xml><?xml version="1.0" encoding="utf-8"?>
-<p:sld xmlns:a="http://schemas.openxmlformats.org/drawingml/2006/main" xmlns:r="http://schemas.openxmlformats.org/officeDocument/2006/relationships" xmlns:p="http://schemas.openxmlformats.org/presentationml/2006/main">
-  <p:cSld>
-    <p:spTree>
-      <p:nvGrpSpPr>
-        <p:cNvPr id="1" name=""/>
-        <p:cNvGrpSpPr/>
-        <p:nvPr/>
-      </p:nvGrpSpPr>
-      <p:grpSpPr>
-        <a:xfrm>
-          <a:off x="0" y="0"/>
-          <a:ext cx="0" cy="0"/>
-          <a:chOff x="0" y="0"/>
-          <a:chExt cx="0" cy="0"/>
-        </a:xfrm>
-      </p:grpSpPr>
-      <p:sp>
-        <p:nvSpPr>
-          <p:cNvPr id="2" name="Заглавие 1"/>
-          <p:cNvSpPr>
-            <a:spLocks noGrp="1"/>
-          </p:cNvSpPr>
-          <p:nvPr>
-            <p:ph type="title"/>
-          </p:nvPr>
-        </p:nvSpPr>
-        <p:spPr/>
-        <p:txBody>
-          <a:bodyPr/>
-          <a:lstStyle/>
-          <a:p>
-            <a:r>
-              <a:rPr lang="bg-BG" dirty="0" smtClean="0"/>
-              <a:t>Бюджет на проекта</a:t>
-            </a:r>
-            <a:endParaRPr lang="bg-BG" dirty="0"/>
-          </a:p>
-        </p:txBody>
-      </p:sp>
-      <p:graphicFrame>
-        <p:nvGraphicFramePr>
-          <p:cNvPr id="4" name="Content Placeholder 11"/>
-          <p:cNvGraphicFramePr>
-            <a:graphicFrameLocks noGrp="1"/>
-          </p:cNvGraphicFramePr>
-          <p:nvPr>
-            <p:ph idx="1"/>
-            <p:extLst>
-              <p:ext uri="{D42A27DB-BD31-4B8C-83A1-F6EECF244321}">
-                <p14:modId xmlns:p14="http://schemas.microsoft.com/office/powerpoint/2010/main" val="1414916110"/>
-              </p:ext>
-            </p:extLst>
-          </p:nvPr>
-        </p:nvGraphicFramePr>
-        <p:xfrm>
-          <a:off x="251520" y="1988840"/>
-          <a:ext cx="8640960" cy="4608512"/>
-        </p:xfrm>
-        <a:graphic>
-          <a:graphicData uri="http://schemas.openxmlformats.org/drawingml/2006/chart">
-            <c:chart xmlns:c="http://schemas.openxmlformats.org/drawingml/2006/chart" xmlns:r="http://schemas.openxmlformats.org/officeDocument/2006/relationships" r:id="rId2"/>
-          </a:graphicData>
-        </a:graphic>
-      </p:graphicFrame>
-    </p:spTree>
-    <p:extLst>
-      <p:ext uri="{BB962C8B-B14F-4D97-AF65-F5344CB8AC3E}">
-        <p14:creationId xmlns:p14="http://schemas.microsoft.com/office/powerpoint/2010/main" val="389982874"/>
-      </p:ext>
-    </p:extLst>
-  </p:cSld>
-  <p:clrMapOvr>
-    <a:masterClrMapping/>
-  </p:clrMapOvr>
-  <p:timing>
-    <p:tnLst>
-      <p:par>
-        <p:cTn id="1" dur="indefinite" restart="never" nodeType="tmRoot"/>
-      </p:par>
-    </p:tnLst>
-  </p:timing>
-</p:sld>
-</file>
-
-<file path=ppt/slides/slide5.xml><?xml version="1.0" encoding="utf-8"?>
-<p:sld xmlns:a="http://schemas.openxmlformats.org/drawingml/2006/main" xmlns:r="http://schemas.openxmlformats.org/officeDocument/2006/relationships" xmlns:p="http://schemas.openxmlformats.org/presentationml/2006/main">
-  <p:cSld>
-    <p:spTree>
-      <p:nvGrpSpPr>
-        <p:cNvPr id="1" name=""/>
-        <p:cNvGrpSpPr/>
-        <p:nvPr/>
-      </p:nvGrpSpPr>
-      <p:grpSpPr>
-        <a:xfrm>
-          <a:off x="0" y="0"/>
-          <a:ext cx="0" cy="0"/>
-          <a:chOff x="0" y="0"/>
-          <a:chExt cx="0" cy="0"/>
-        </a:xfrm>
-      </p:grpSpPr>
-      <p:sp>
-        <p:nvSpPr>
-          <p:cNvPr id="2" name="Заглавие 1"/>
-          <p:cNvSpPr>
-            <a:spLocks noGrp="1"/>
-          </p:cNvSpPr>
-          <p:nvPr>
-            <p:ph type="title"/>
-          </p:nvPr>
-        </p:nvSpPr>
-        <p:spPr/>
-        <p:txBody>
-          <a:bodyPr/>
-          <a:lstStyle/>
-          <a:p>
-            <a:r>
-              <a:rPr lang="bg-BG" dirty="0" smtClean="0"/>
-              <a:t>Бюджет на проекта</a:t>
-            </a:r>
-            <a:endParaRPr lang="bg-BG" dirty="0"/>
-          </a:p>
-        </p:txBody>
-      </p:sp>
-      <p:pic>
-        <p:nvPicPr>
-          <p:cNvPr id="4" name="Content Placeholder 8"/>
-          <p:cNvPicPr>
-            <a:picLocks noGrp="1" noChangeAspect="1"/>
-          </p:cNvPicPr>
-          <p:nvPr>
-            <p:ph idx="1"/>
-          </p:nvPr>
-        </p:nvPicPr>
-        <p:blipFill>
-          <a:blip r:embed="rId2">
-            <a:extLst>
-              <a:ext uri="{28A0092B-C50C-407E-A947-70E740481C1C}">
-                <a14:useLocalDpi xmlns:a14="http://schemas.microsoft.com/office/drawing/2010/main" val="0"/>
-              </a:ext>
-            </a:extLst>
-          </a:blip>
-          <a:stretch>
-            <a:fillRect/>
-          </a:stretch>
-        </p:blipFill>
-        <p:spPr>
-          <a:xfrm>
-            <a:off x="395536" y="2492896"/>
-            <a:ext cx="3384376" cy="3451225"/>
-          </a:xfrm>
-        </p:spPr>
-      </p:pic>
-      <p:sp>
-        <p:nvSpPr>
-          <p:cNvPr id="5" name="Текстово поле 4"/>
-          <p:cNvSpPr txBox="1"/>
-          <p:nvPr/>
-        </p:nvSpPr>
-        <p:spPr>
-          <a:xfrm>
-            <a:off x="4572000" y="2708920"/>
-            <a:ext cx="3672408" cy="369332"/>
-          </a:xfrm>
-          <a:prstGeom prst="rect">
-            <a:avLst/>
-          </a:prstGeom>
-          <a:noFill/>
-        </p:spPr>
-        <p:txBody>
-          <a:bodyPr wrap="square" rtlCol="0">
-            <a:spAutoFit/>
-          </a:bodyPr>
-          <a:lstStyle/>
-          <a:p>
-            <a:endParaRPr lang="bg-BG" dirty="0"/>
-          </a:p>
-        </p:txBody>
-      </p:sp>
-      <p:graphicFrame>
-        <p:nvGraphicFramePr>
-          <p:cNvPr id="6" name="Chart 11"/>
-          <p:cNvGraphicFramePr/>
-          <p:nvPr>
-            <p:extLst>
-              <p:ext uri="{D42A27DB-BD31-4B8C-83A1-F6EECF244321}">
-                <p14:modId xmlns:p14="http://schemas.microsoft.com/office/powerpoint/2010/main" val="1331682296"/>
-              </p:ext>
-            </p:extLst>
-          </p:nvPr>
-        </p:nvGraphicFramePr>
-        <p:xfrm>
-          <a:off x="4572000" y="2492896"/>
-          <a:ext cx="4248472" cy="3816424"/>
-        </p:xfrm>
-        <a:graphic>
-          <a:graphicData uri="http://schemas.openxmlformats.org/drawingml/2006/chart">
-            <c:chart xmlns:c="http://schemas.openxmlformats.org/drawingml/2006/chart" xmlns:r="http://schemas.openxmlformats.org/officeDocument/2006/relationships" r:id="rId3"/>
-          </a:graphicData>
-        </a:graphic>
-      </p:graphicFrame>
-    </p:spTree>
-    <p:extLst>
-      <p:ext uri="{BB962C8B-B14F-4D97-AF65-F5344CB8AC3E}">
-        <p14:creationId xmlns:p14="http://schemas.microsoft.com/office/powerpoint/2010/main" val="1189798111"/>
+        <p14:creationId xmlns:p14="http://schemas.microsoft.com/office/powerpoint/2010/main" val="3038222825"/>
       </p:ext>
     </p:extLst>
   </p:cSld>
@@ -18534,6 +17682,67 @@
       </p:grpSpPr>
       <p:sp>
         <p:nvSpPr>
+          <p:cNvPr id="3" name="Контейнер за съдържание 2"/>
+          <p:cNvSpPr>
+            <a:spLocks noGrp="1"/>
+          </p:cNvSpPr>
+          <p:nvPr>
+            <p:ph idx="1"/>
+          </p:nvPr>
+        </p:nvSpPr>
+        <p:spPr/>
+        <p:txBody>
+          <a:bodyPr/>
+          <a:lstStyle/>
+          <a:p>
+            <a:r>
+              <a:rPr lang="bg-BG" dirty="0" smtClean="0"/>
+              <a:t>Поддръжка</a:t>
+            </a:r>
+          </a:p>
+          <a:p>
+            <a:pPr>
+              <a:buFont typeface="Wingdings" panose="05000000000000000000" pitchFamily="2" charset="2"/>
+              <a:buChar char="q"/>
+            </a:pPr>
+            <a:r>
+              <a:rPr lang="bg-BG" dirty="0"/>
+              <a:t>Според подписания с възложителя договор изпълнителят поема отговорност за безплатна поддръжка в рамките на първия месец. След изтичане на този период поръчителят трябва да заплаща сума от </a:t>
+            </a:r>
+            <a:r>
+              <a:rPr lang="en-US" dirty="0"/>
+              <a:t>3</a:t>
+            </a:r>
+            <a:r>
+              <a:rPr lang="bg-BG" dirty="0"/>
+              <a:t>50 лева месечно за поддръжка </a:t>
+            </a:r>
+            <a:r>
+              <a:rPr lang="en-US" dirty="0"/>
+              <a:t>(</a:t>
+            </a:r>
+            <a:r>
+              <a:rPr lang="bg-BG" dirty="0" smtClean="0"/>
+              <a:t>17 </a:t>
+            </a:r>
+            <a:r>
+              <a:rPr lang="bg-BG" dirty="0"/>
+              <a:t>% от цялата цена на продукта</a:t>
+            </a:r>
+            <a:r>
+              <a:rPr lang="en-US" dirty="0"/>
+              <a:t>)</a:t>
+            </a:r>
+            <a:r>
+              <a:rPr lang="bg-BG" dirty="0" smtClean="0"/>
+              <a:t>.</a:t>
+            </a:r>
+            <a:endParaRPr lang="en-US" dirty="0"/>
+          </a:p>
+        </p:txBody>
+      </p:sp>
+      <p:sp>
+        <p:nvSpPr>
           <p:cNvPr id="2" name="Заглавие 1"/>
           <p:cNvSpPr>
             <a:spLocks noGrp="1"/>
@@ -18544,50 +17753,22 @@
         </p:nvSpPr>
         <p:spPr/>
         <p:txBody>
-          <a:bodyPr/>
+          <a:bodyPr>
+            <a:normAutofit fontScale="90000"/>
+          </a:bodyPr>
           <a:lstStyle/>
           <a:p>
             <a:r>
-              <a:rPr lang="bg-BG" dirty="0" smtClean="0"/>
-              <a:t>Бюджет на проекта</a:t>
-            </a:r>
-            <a:endParaRPr lang="bg-BG" dirty="0"/>
+              <a:rPr lang="bg-BG" dirty="0"/>
+              <a:t>Възможност за разработване на допълнителни модули и поддръжка</a:t>
+            </a:r>
           </a:p>
         </p:txBody>
       </p:sp>
-      <p:pic>
-        <p:nvPicPr>
-          <p:cNvPr id="4" name="Content Placeholder 3"/>
-          <p:cNvPicPr>
-            <a:picLocks noGrp="1" noChangeAspect="1"/>
-          </p:cNvPicPr>
-          <p:nvPr>
-            <p:ph idx="1"/>
-          </p:nvPr>
-        </p:nvPicPr>
-        <p:blipFill>
-          <a:blip r:embed="rId2">
-            <a:extLst>
-              <a:ext uri="{28A0092B-C50C-407E-A947-70E740481C1C}">
-                <a14:useLocalDpi xmlns:a14="http://schemas.microsoft.com/office/drawing/2010/main" val="0"/>
-              </a:ext>
-            </a:extLst>
-          </a:blip>
-          <a:stretch>
-            <a:fillRect/>
-          </a:stretch>
-        </p:blipFill>
-        <p:spPr>
-          <a:xfrm>
-            <a:off x="251520" y="1899456"/>
-            <a:ext cx="8640959" cy="4553880"/>
-          </a:xfrm>
-        </p:spPr>
-      </p:pic>
     </p:spTree>
     <p:extLst>
       <p:ext uri="{BB962C8B-B14F-4D97-AF65-F5344CB8AC3E}">
-        <p14:creationId xmlns:p14="http://schemas.microsoft.com/office/powerpoint/2010/main" val="1771137280"/>
+        <p14:creationId xmlns:p14="http://schemas.microsoft.com/office/powerpoint/2010/main" val="2309517211"/>
       </p:ext>
     </p:extLst>
   </p:cSld>
@@ -18638,23 +17819,85 @@
           </a:bodyPr>
           <a:lstStyle/>
           <a:p>
+            <a:pPr>
+              <a:buFont typeface="Arial" panose="020B0604020202020204" pitchFamily="34" charset="0"/>
+              <a:buChar char="•"/>
+            </a:pPr>
+            <a:r>
+              <a:rPr lang="bg-BG" dirty="0"/>
+              <a:t>Карти със задачи за бъдещо изпълнение, в процес на изпълнение и приключени задачи</a:t>
+            </a:r>
+          </a:p>
+          <a:p>
+            <a:pPr>
+              <a:buFont typeface="Arial" panose="020B0604020202020204" pitchFamily="34" charset="0"/>
+              <a:buChar char="•"/>
+            </a:pPr>
+            <a:r>
+              <a:rPr lang="bg-BG" dirty="0"/>
+              <a:t>Добавяне на </a:t>
+            </a:r>
+            <a:r>
+              <a:rPr lang="bg-BG" dirty="0" err="1"/>
+              <a:t>лейбъли</a:t>
+            </a:r>
+            <a:r>
+              <a:rPr lang="bg-BG" dirty="0"/>
+              <a:t> в различни цветове</a:t>
+            </a:r>
+          </a:p>
+          <a:p>
+            <a:pPr>
+              <a:buFont typeface="Arial" panose="020B0604020202020204" pitchFamily="34" charset="0"/>
+              <a:buChar char="•"/>
+            </a:pPr>
+            <a:r>
+              <a:rPr lang="bg-BG" dirty="0"/>
+              <a:t>Крайна дата за изпълнение на </a:t>
+            </a:r>
+            <a:r>
+              <a:rPr lang="bg-BG" dirty="0" err="1"/>
+              <a:t>вс</a:t>
+            </a:r>
+            <a:r>
+              <a:rPr lang="en-US" dirty="0"/>
+              <a:t>e</a:t>
+            </a:r>
+            <a:r>
+              <a:rPr lang="bg-BG" dirty="0" err="1"/>
+              <a:t>ки</a:t>
+            </a:r>
+            <a:r>
+              <a:rPr lang="bg-BG" dirty="0"/>
+              <a:t> етап от разработката</a:t>
+            </a:r>
+          </a:p>
+          <a:p>
+            <a:pPr>
+              <a:buFont typeface="Arial" panose="020B0604020202020204" pitchFamily="34" charset="0"/>
+              <a:buChar char="•"/>
+            </a:pPr>
             <a:r>
               <a:rPr lang="bg-BG" dirty="0" smtClean="0"/>
-              <a:t>Възможност за разработване на допълнителни модули:</a:t>
+              <a:t>Общ </a:t>
+            </a:r>
+            <a:r>
+              <a:rPr lang="bg-BG" dirty="0"/>
+              <a:t>достъп от всички участници в проекта до дъската, с възможност да отбелязват състоянието на възложените им задачи до момента</a:t>
             </a:r>
           </a:p>
           <a:p>
             <a:pPr>
-              <a:buFont typeface="Wingdings" panose="05000000000000000000" pitchFamily="2" charset="2"/>
-              <a:buChar char="q"/>
+              <a:buFont typeface="Arial" panose="020B0604020202020204" pitchFamily="34" charset="0"/>
+              <a:buChar char="•"/>
             </a:pPr>
             <a:r>
               <a:rPr lang="bg-BG" dirty="0"/>
-              <a:t>Със закупуване на софтуерния продукт възложителят получава право над програмния код, който при желание от негова страна, може да бъде доразработен от изпълнителя, включвайки нови функционалности и допълнителни модули или промяна на съществуващи такива – създаване на нови версии на програмния продукт</a:t>
+              <a:t>Допълнителна информация на гърба на </a:t>
             </a:r>
             <a:r>
               <a:rPr lang="bg-BG" dirty="0" smtClean="0"/>
-              <a:t>.</a:t>
+              <a:t>картата</a:t>
             </a:r>
             <a:endParaRPr lang="bg-BG" dirty="0"/>
           </a:p>
@@ -18679,7 +17922,7 @@
           <a:p>
             <a:r>
               <a:rPr lang="bg-BG" dirty="0" smtClean="0"/>
-              <a:t>Възможност за разработване на допълнителни модули и поддръжка</a:t>
+              <a:t>Система за управление на проекта</a:t>
             </a:r>
             <a:endParaRPr lang="bg-BG" dirty="0"/>
           </a:p>
@@ -18688,7 +17931,7 @@
     </p:spTree>
     <p:extLst>
       <p:ext uri="{BB962C8B-B14F-4D97-AF65-F5344CB8AC3E}">
-        <p14:creationId xmlns:p14="http://schemas.microsoft.com/office/powerpoint/2010/main" val="3038222825"/>
+        <p14:creationId xmlns:p14="http://schemas.microsoft.com/office/powerpoint/2010/main" val="2415364705"/>
       </p:ext>
     </p:extLst>
   </p:cSld>
@@ -18722,63 +17965,35 @@
           <a:chExt cx="0" cy="0"/>
         </a:xfrm>
       </p:grpSpPr>
-      <p:sp>
-        <p:nvSpPr>
-          <p:cNvPr id="3" name="Контейнер за съдържание 2"/>
-          <p:cNvSpPr>
-            <a:spLocks noGrp="1"/>
-          </p:cNvSpPr>
+      <p:pic>
+        <p:nvPicPr>
+          <p:cNvPr id="4" name="Контейнер за съдържание 3"/>
+          <p:cNvPicPr>
+            <a:picLocks noGrp="1" noChangeAspect="1"/>
+          </p:cNvPicPr>
           <p:nvPr>
             <p:ph idx="1"/>
           </p:nvPr>
-        </p:nvSpPr>
-        <p:spPr/>
-        <p:txBody>
-          <a:bodyPr/>
-          <a:lstStyle/>
-          <a:p>
-            <a:r>
-              <a:rPr lang="bg-BG" dirty="0" smtClean="0"/>
-              <a:t>Поддръжка</a:t>
-            </a:r>
-          </a:p>
-          <a:p>
-            <a:pPr>
-              <a:buFont typeface="Wingdings" panose="05000000000000000000" pitchFamily="2" charset="2"/>
-              <a:buChar char="q"/>
-            </a:pPr>
-            <a:r>
-              <a:rPr lang="bg-BG" dirty="0"/>
-              <a:t>Според подписания с възложителя договор изпълнителят поема отговорност за безплатна поддръжка в рамките на първия месец. След изтичане на този период поръчителят трябва да заплаща сума от </a:t>
-            </a:r>
-            <a:r>
-              <a:rPr lang="en-US" dirty="0"/>
-              <a:t>3</a:t>
-            </a:r>
-            <a:r>
-              <a:rPr lang="bg-BG" dirty="0"/>
-              <a:t>50 лева месечно за поддръжка </a:t>
-            </a:r>
-            <a:r>
-              <a:rPr lang="en-US" dirty="0"/>
-              <a:t>(</a:t>
-            </a:r>
-            <a:r>
-              <a:rPr lang="bg-BG" dirty="0"/>
-              <a:t>10 % от цялата цена на продукта</a:t>
-            </a:r>
-            <a:r>
-              <a:rPr lang="en-US" dirty="0"/>
-              <a:t>)</a:t>
-            </a:r>
-            <a:r>
-              <a:rPr lang="bg-BG" dirty="0" smtClean="0"/>
-              <a:t>.</a:t>
-            </a:r>
-            <a:endParaRPr lang="en-US" dirty="0"/>
-          </a:p>
-        </p:txBody>
-      </p:sp>
+        </p:nvPicPr>
+        <p:blipFill>
+          <a:blip r:embed="rId2">
+            <a:extLst>
+              <a:ext uri="{28A0092B-C50C-407E-A947-70E740481C1C}">
+                <a14:useLocalDpi xmlns:a14="http://schemas.microsoft.com/office/drawing/2010/main" val="0"/>
+              </a:ext>
+            </a:extLst>
+          </a:blip>
+          <a:stretch>
+            <a:fillRect/>
+          </a:stretch>
+        </p:blipFill>
+        <p:spPr>
+          <a:xfrm>
+            <a:off x="179512" y="1916832"/>
+            <a:ext cx="8708377" cy="4752528"/>
+          </a:xfrm>
+        </p:spPr>
+      </p:pic>
       <p:sp>
         <p:nvSpPr>
           <p:cNvPr id="2" name="Заглавие 1"/>
@@ -18797,16 +18012,17 @@
           <a:lstStyle/>
           <a:p>
             <a:r>
-              <a:rPr lang="bg-BG" dirty="0"/>
-              <a:t>Възможност за разработване на допълнителни модули и поддръжка</a:t>
-            </a:r>
+              <a:rPr lang="bg-BG" dirty="0" smtClean="0"/>
+              <a:t>Система за управление на проекта</a:t>
+            </a:r>
+            <a:endParaRPr lang="bg-BG" dirty="0"/>
           </a:p>
         </p:txBody>
       </p:sp>
     </p:spTree>
     <p:extLst>
       <p:ext uri="{BB962C8B-B14F-4D97-AF65-F5344CB8AC3E}">
-        <p14:creationId xmlns:p14="http://schemas.microsoft.com/office/powerpoint/2010/main" val="2309517211"/>
+        <p14:creationId xmlns:p14="http://schemas.microsoft.com/office/powerpoint/2010/main" val="1603805531"/>
       </p:ext>
     </p:extLst>
   </p:cSld>
@@ -18853,7 +18069,7 @@
         <p:spPr/>
         <p:txBody>
           <a:bodyPr>
-            <a:normAutofit lnSpcReduction="10000"/>
+            <a:normAutofit/>
           </a:bodyPr>
           <a:lstStyle/>
           <a:p>
@@ -18862,81 +18078,37 @@
               <a:buChar char="•"/>
             </a:pPr>
             <a:r>
-              <a:rPr lang="bg-BG" dirty="0"/>
-              <a:t>Карти със задачи за бъдещо изпълнение, в процес на изпълнение и приключени задачи</a:t>
-            </a:r>
-          </a:p>
-          <a:p>
-            <a:pPr>
-              <a:buFont typeface="Arial" panose="020B0604020202020204" pitchFamily="34" charset="0"/>
-              <a:buChar char="•"/>
+              <a:rPr lang="bg-BG" sz="2800" dirty="0"/>
+              <a:t>Нашият екип не успя да се сблъска с трудности при използването му, но успяхме да открием някои слаби страни на тази система за управление на проекти:</a:t>
+            </a:r>
+          </a:p>
+          <a:p>
+            <a:pPr marL="759143" lvl="1" indent="-457200">
+              <a:buFont typeface="+mj-lt"/>
+              <a:buAutoNum type="arabicPeriod"/>
             </a:pPr>
             <a:r>
-              <a:rPr lang="bg-BG" dirty="0"/>
-              <a:t>Добавяне на </a:t>
-            </a:r>
-            <a:r>
-              <a:rPr lang="bg-BG" dirty="0" err="1"/>
-              <a:t>лейбъли</a:t>
-            </a:r>
-            <a:r>
-              <a:rPr lang="bg-BG" dirty="0"/>
-              <a:t> в различни цветове</a:t>
-            </a:r>
-          </a:p>
-          <a:p>
-            <a:pPr>
-              <a:buFont typeface="Arial" panose="020B0604020202020204" pitchFamily="34" charset="0"/>
-              <a:buChar char="•"/>
+              <a:rPr lang="bg-BG" sz="2400" dirty="0" smtClean="0"/>
+              <a:t>Не </a:t>
+            </a:r>
+            <a:r>
+              <a:rPr lang="bg-BG" sz="2400" dirty="0"/>
+              <a:t>е подходяща система за управление на сложни проекти.</a:t>
+            </a:r>
+            <a:endParaRPr lang="en-US" sz="2400" dirty="0"/>
+          </a:p>
+          <a:p>
+            <a:pPr marL="759143" lvl="1" indent="-457200">
+              <a:buFont typeface="+mj-lt"/>
+              <a:buAutoNum type="arabicPeriod"/>
             </a:pPr>
             <a:r>
-              <a:rPr lang="bg-BG" dirty="0"/>
-              <a:t>Крайна дата за изпълнение на </a:t>
-            </a:r>
-            <a:r>
-              <a:rPr lang="bg-BG" dirty="0" err="1"/>
-              <a:t>вс</a:t>
-            </a:r>
-            <a:r>
-              <a:rPr lang="en-US" dirty="0"/>
-              <a:t>e</a:t>
-            </a:r>
-            <a:r>
-              <a:rPr lang="bg-BG" dirty="0" err="1"/>
-              <a:t>ки</a:t>
-            </a:r>
-            <a:r>
-              <a:rPr lang="bg-BG" dirty="0"/>
-              <a:t> етап от разработката</a:t>
-            </a:r>
-          </a:p>
-          <a:p>
-            <a:pPr>
-              <a:buFont typeface="Arial" panose="020B0604020202020204" pitchFamily="34" charset="0"/>
-              <a:buChar char="•"/>
-            </a:pPr>
-            <a:r>
-              <a:rPr lang="bg-BG" dirty="0" smtClean="0"/>
-              <a:t>Общ </a:t>
-            </a:r>
-            <a:r>
-              <a:rPr lang="bg-BG" dirty="0"/>
-              <a:t>достъп от всички участници в проекта до дъската, с възможност да отбелязват състоянието на възложените им задачи до момента</a:t>
-            </a:r>
-          </a:p>
-          <a:p>
-            <a:pPr>
-              <a:buFont typeface="Arial" panose="020B0604020202020204" pitchFamily="34" charset="0"/>
-              <a:buChar char="•"/>
-            </a:pPr>
-            <a:r>
-              <a:rPr lang="bg-BG" dirty="0"/>
-              <a:t>Допълнителна информация на гърба на </a:t>
-            </a:r>
-            <a:r>
-              <a:rPr lang="bg-BG" dirty="0" smtClean="0"/>
-              <a:t>картата</a:t>
-            </a:r>
+              <a:rPr lang="bg-BG" sz="2400" dirty="0"/>
+              <a:t>Няма възможност да се видят задачите, подредени по потребител или краен срок.</a:t>
+            </a:r>
+            <a:endParaRPr lang="en-US" sz="2400" dirty="0"/>
+          </a:p>
+          <a:p>
             <a:endParaRPr lang="bg-BG" dirty="0"/>
           </a:p>
         </p:txBody>
@@ -18960,7 +18132,11 @@
           <a:p>
             <a:r>
               <a:rPr lang="bg-BG" dirty="0" smtClean="0"/>
-              <a:t>Система за управление на проекта</a:t>
+              <a:t>Трудности при използването на </a:t>
+            </a:r>
+            <a:r>
+              <a:rPr lang="en-US" dirty="0" smtClean="0"/>
+              <a:t>Trello</a:t>
             </a:r>
             <a:endParaRPr lang="bg-BG" dirty="0"/>
           </a:p>
@@ -18969,7 +18145,7 @@
     </p:spTree>
     <p:extLst>
       <p:ext uri="{BB962C8B-B14F-4D97-AF65-F5344CB8AC3E}">
-        <p14:creationId xmlns:p14="http://schemas.microsoft.com/office/powerpoint/2010/main" val="2415364705"/>
+        <p14:creationId xmlns:p14="http://schemas.microsoft.com/office/powerpoint/2010/main" val="2879157791"/>
       </p:ext>
     </p:extLst>
   </p:cSld>
